--- a/Pictures/Figures/Figure 2.pptx
+++ b/Pictures/Figures/Figure 2.pptx
@@ -2,12 +2,12 @@
 <file path=ppt/presentation.xml><?xml version="1.0" encoding="utf-8"?>
 <p:presentation xmlns:a="http://schemas.openxmlformats.org/drawingml/2006/main" xmlns:r="http://schemas.openxmlformats.org/officeDocument/2006/relationships" xmlns:p="http://schemas.openxmlformats.org/presentationml/2006/main" saveSubsetFonts="1">
   <p:sldMasterIdLst>
-    <p:sldMasterId id="2147483684" r:id="rId1"/>
+    <p:sldMasterId id="2147483696" r:id="rId1"/>
   </p:sldMasterIdLst>
   <p:sldIdLst>
     <p:sldId id="256" r:id="rId2"/>
   </p:sldIdLst>
-  <p:sldSz cx="5486400" cy="6400800"/>
+  <p:sldSz cx="9144000" cy="8229600"/>
   <p:notesSz cx="6858000" cy="9144000"/>
   <p:defaultTextStyle>
     <a:defPPr>
@@ -104,6 +104,11 @@
       </a:defRPr>
     </a:lvl9pPr>
   </p:defaultTextStyle>
+  <p:extLst>
+    <p:ext uri="{EFAFB233-063F-42B5-8137-9DF3F51BA10A}">
+      <p15:sldGuideLst xmlns:p15="http://schemas.microsoft.com/office/powerpoint/2012/main"/>
+    </p:ext>
+  </p:extLst>
 </p:presentation>
 </file>
 
@@ -136,15 +141,15 @@
         </p:nvSpPr>
         <p:spPr>
           <a:xfrm>
-            <a:off x="411480" y="1047539"/>
-            <a:ext cx="4663440" cy="2228427"/>
+            <a:off x="685800" y="1346836"/>
+            <a:ext cx="7772400" cy="2865120"/>
           </a:xfrm>
         </p:spPr>
         <p:txBody>
           <a:bodyPr anchor="b"/>
           <a:lstStyle>
             <a:lvl1pPr algn="ctr">
-              <a:defRPr sz="3600"/>
+              <a:defRPr sz="6000"/>
             </a:lvl1pPr>
           </a:lstStyle>
           <a:p>
@@ -168,8 +173,8 @@
         </p:nvSpPr>
         <p:spPr>
           <a:xfrm>
-            <a:off x="685800" y="3361902"/>
-            <a:ext cx="4114800" cy="1545378"/>
+            <a:off x="1143000" y="4322446"/>
+            <a:ext cx="6858000" cy="1986914"/>
           </a:xfrm>
         </p:spPr>
         <p:txBody>
@@ -177,39 +182,39 @@
           <a:lstStyle>
             <a:lvl1pPr marL="0" indent="0" algn="ctr">
               <a:buNone/>
-              <a:defRPr sz="1440"/>
+              <a:defRPr sz="2400"/>
             </a:lvl1pPr>
-            <a:lvl2pPr marL="274320" indent="0" algn="ctr">
-              <a:buNone/>
-              <a:defRPr sz="1200"/>
+            <a:lvl2pPr marL="457200" indent="0" algn="ctr">
+              <a:buNone/>
+              <a:defRPr sz="2000"/>
             </a:lvl2pPr>
-            <a:lvl3pPr marL="548640" indent="0" algn="ctr">
-              <a:buNone/>
-              <a:defRPr sz="1080"/>
+            <a:lvl3pPr marL="914400" indent="0" algn="ctr">
+              <a:buNone/>
+              <a:defRPr sz="1800"/>
             </a:lvl3pPr>
-            <a:lvl4pPr marL="822960" indent="0" algn="ctr">
-              <a:buNone/>
-              <a:defRPr sz="960"/>
+            <a:lvl4pPr marL="1371600" indent="0" algn="ctr">
+              <a:buNone/>
+              <a:defRPr sz="1600"/>
             </a:lvl4pPr>
-            <a:lvl5pPr marL="1097280" indent="0" algn="ctr">
-              <a:buNone/>
-              <a:defRPr sz="960"/>
+            <a:lvl5pPr marL="1828800" indent="0" algn="ctr">
+              <a:buNone/>
+              <a:defRPr sz="1600"/>
             </a:lvl5pPr>
-            <a:lvl6pPr marL="1371600" indent="0" algn="ctr">
-              <a:buNone/>
-              <a:defRPr sz="960"/>
+            <a:lvl6pPr marL="2286000" indent="0" algn="ctr">
+              <a:buNone/>
+              <a:defRPr sz="1600"/>
             </a:lvl6pPr>
-            <a:lvl7pPr marL="1645920" indent="0" algn="ctr">
-              <a:buNone/>
-              <a:defRPr sz="960"/>
+            <a:lvl7pPr marL="2743200" indent="0" algn="ctr">
+              <a:buNone/>
+              <a:defRPr sz="1600"/>
             </a:lvl7pPr>
-            <a:lvl8pPr marL="1920240" indent="0" algn="ctr">
-              <a:buNone/>
-              <a:defRPr sz="960"/>
+            <a:lvl8pPr marL="3200400" indent="0" algn="ctr">
+              <a:buNone/>
+              <a:defRPr sz="1600"/>
             </a:lvl8pPr>
-            <a:lvl9pPr marL="2194560" indent="0" algn="ctr">
-              <a:buNone/>
-              <a:defRPr sz="960"/>
+            <a:lvl9pPr marL="3657600" indent="0" algn="ctr">
+              <a:buNone/>
+              <a:defRPr sz="1600"/>
             </a:lvl9pPr>
           </a:lstStyle>
           <a:p>
@@ -236,9 +241,9 @@
           <a:bodyPr/>
           <a:lstStyle/>
           <a:p>
-            <a:fld id="{645F7DBC-EAEC-441E-8CA0-A048D5859A18}" type="datetimeFigureOut">
+            <a:fld id="{16253256-60BC-4108-997B-199123995818}" type="datetimeFigureOut">
               <a:rPr lang="en-US" smtClean="0"/>
-              <a:t>11/3/2022</a:t>
+              <a:t>11/13/2022</a:t>
             </a:fld>
             <a:endParaRPr lang="en-US"/>
           </a:p>
@@ -278,7 +283,7 @@
           <a:bodyPr/>
           <a:lstStyle/>
           <a:p>
-            <a:fld id="{B5A48D93-383F-4434-892B-4EB7522B144A}" type="slidenum">
+            <a:fld id="{F3A9BA3C-10B0-41C7-AFE9-14DC56FB780D}" type="slidenum">
               <a:rPr lang="en-US" smtClean="0"/>
               <a:t>‹#›</a:t>
             </a:fld>
@@ -289,7 +294,7 @@
     </p:spTree>
     <p:extLst>
       <p:ext uri="{BB962C8B-B14F-4D97-AF65-F5344CB8AC3E}">
-        <p14:creationId xmlns:p14="http://schemas.microsoft.com/office/powerpoint/2010/main" val="2026659413"/>
+        <p14:creationId xmlns:p14="http://schemas.microsoft.com/office/powerpoint/2010/main" val="3603877471"/>
       </p:ext>
     </p:extLst>
   </p:cSld>
@@ -357,7 +362,7 @@
             <a:pPr lvl="0"/>
             <a:r>
               <a:rPr lang="en-US"/>
-              <a:t>Edit Master text styles</a:t>
+              <a:t>Click to edit Master text styles</a:t>
             </a:r>
           </a:p>
           <a:p>
@@ -406,9 +411,9 @@
           <a:bodyPr/>
           <a:lstStyle/>
           <a:p>
-            <a:fld id="{645F7DBC-EAEC-441E-8CA0-A048D5859A18}" type="datetimeFigureOut">
+            <a:fld id="{16253256-60BC-4108-997B-199123995818}" type="datetimeFigureOut">
               <a:rPr lang="en-US" smtClean="0"/>
-              <a:t>11/3/2022</a:t>
+              <a:t>11/13/2022</a:t>
             </a:fld>
             <a:endParaRPr lang="en-US"/>
           </a:p>
@@ -448,7 +453,7 @@
           <a:bodyPr/>
           <a:lstStyle/>
           <a:p>
-            <a:fld id="{B5A48D93-383F-4434-892B-4EB7522B144A}" type="slidenum">
+            <a:fld id="{F3A9BA3C-10B0-41C7-AFE9-14DC56FB780D}" type="slidenum">
               <a:rPr lang="en-US" smtClean="0"/>
               <a:t>‹#›</a:t>
             </a:fld>
@@ -459,7 +464,7 @@
     </p:spTree>
     <p:extLst>
       <p:ext uri="{BB962C8B-B14F-4D97-AF65-F5344CB8AC3E}">
-        <p14:creationId xmlns:p14="http://schemas.microsoft.com/office/powerpoint/2010/main" val="247975843"/>
+        <p14:creationId xmlns:p14="http://schemas.microsoft.com/office/powerpoint/2010/main" val="4259412019"/>
       </p:ext>
     </p:extLst>
   </p:cSld>
@@ -498,8 +503,8 @@
         </p:nvSpPr>
         <p:spPr>
           <a:xfrm>
-            <a:off x="3926205" y="340783"/>
-            <a:ext cx="1183005" cy="5424382"/>
+            <a:off x="6543676" y="438150"/>
+            <a:ext cx="1971675" cy="6974206"/>
           </a:xfrm>
         </p:spPr>
         <p:txBody>
@@ -526,8 +531,8 @@
         </p:nvSpPr>
         <p:spPr>
           <a:xfrm>
-            <a:off x="377190" y="340783"/>
-            <a:ext cx="3480435" cy="5424382"/>
+            <a:off x="628651" y="438150"/>
+            <a:ext cx="5800725" cy="6974206"/>
           </a:xfrm>
         </p:spPr>
         <p:txBody>
@@ -537,7 +542,7 @@
             <a:pPr lvl="0"/>
             <a:r>
               <a:rPr lang="en-US"/>
-              <a:t>Edit Master text styles</a:t>
+              <a:t>Click to edit Master text styles</a:t>
             </a:r>
           </a:p>
           <a:p>
@@ -586,9 +591,9 @@
           <a:bodyPr/>
           <a:lstStyle/>
           <a:p>
-            <a:fld id="{645F7DBC-EAEC-441E-8CA0-A048D5859A18}" type="datetimeFigureOut">
+            <a:fld id="{16253256-60BC-4108-997B-199123995818}" type="datetimeFigureOut">
               <a:rPr lang="en-US" smtClean="0"/>
-              <a:t>11/3/2022</a:t>
+              <a:t>11/13/2022</a:t>
             </a:fld>
             <a:endParaRPr lang="en-US"/>
           </a:p>
@@ -628,7 +633,7 @@
           <a:bodyPr/>
           <a:lstStyle/>
           <a:p>
-            <a:fld id="{B5A48D93-383F-4434-892B-4EB7522B144A}" type="slidenum">
+            <a:fld id="{F3A9BA3C-10B0-41C7-AFE9-14DC56FB780D}" type="slidenum">
               <a:rPr lang="en-US" smtClean="0"/>
               <a:t>‹#›</a:t>
             </a:fld>
@@ -639,7 +644,7 @@
     </p:spTree>
     <p:extLst>
       <p:ext uri="{BB962C8B-B14F-4D97-AF65-F5344CB8AC3E}">
-        <p14:creationId xmlns:p14="http://schemas.microsoft.com/office/powerpoint/2010/main" val="3912239936"/>
+        <p14:creationId xmlns:p14="http://schemas.microsoft.com/office/powerpoint/2010/main" val="741436456"/>
       </p:ext>
     </p:extLst>
   </p:cSld>
@@ -707,7 +712,7 @@
             <a:pPr lvl="0"/>
             <a:r>
               <a:rPr lang="en-US"/>
-              <a:t>Edit Master text styles</a:t>
+              <a:t>Click to edit Master text styles</a:t>
             </a:r>
           </a:p>
           <a:p>
@@ -756,9 +761,9 @@
           <a:bodyPr/>
           <a:lstStyle/>
           <a:p>
-            <a:fld id="{645F7DBC-EAEC-441E-8CA0-A048D5859A18}" type="datetimeFigureOut">
+            <a:fld id="{16253256-60BC-4108-997B-199123995818}" type="datetimeFigureOut">
               <a:rPr lang="en-US" smtClean="0"/>
-              <a:t>11/3/2022</a:t>
+              <a:t>11/13/2022</a:t>
             </a:fld>
             <a:endParaRPr lang="en-US"/>
           </a:p>
@@ -798,7 +803,7 @@
           <a:bodyPr/>
           <a:lstStyle/>
           <a:p>
-            <a:fld id="{B5A48D93-383F-4434-892B-4EB7522B144A}" type="slidenum">
+            <a:fld id="{F3A9BA3C-10B0-41C7-AFE9-14DC56FB780D}" type="slidenum">
               <a:rPr lang="en-US" smtClean="0"/>
               <a:t>‹#›</a:t>
             </a:fld>
@@ -809,7 +814,7 @@
     </p:spTree>
     <p:extLst>
       <p:ext uri="{BB962C8B-B14F-4D97-AF65-F5344CB8AC3E}">
-        <p14:creationId xmlns:p14="http://schemas.microsoft.com/office/powerpoint/2010/main" val="2949276147"/>
+        <p14:creationId xmlns:p14="http://schemas.microsoft.com/office/powerpoint/2010/main" val="3148521523"/>
       </p:ext>
     </p:extLst>
   </p:cSld>
@@ -848,15 +853,15 @@
         </p:nvSpPr>
         <p:spPr>
           <a:xfrm>
-            <a:off x="374333" y="1595757"/>
-            <a:ext cx="4732020" cy="2662555"/>
+            <a:off x="623888" y="2051688"/>
+            <a:ext cx="7886700" cy="3423284"/>
           </a:xfrm>
         </p:spPr>
         <p:txBody>
           <a:bodyPr anchor="b"/>
           <a:lstStyle>
             <a:lvl1pPr>
-              <a:defRPr sz="3600"/>
+              <a:defRPr sz="6000"/>
             </a:lvl1pPr>
           </a:lstStyle>
           <a:p>
@@ -880,8 +885,8 @@
         </p:nvSpPr>
         <p:spPr>
           <a:xfrm>
-            <a:off x="374333" y="4283500"/>
-            <a:ext cx="4732020" cy="1400175"/>
+            <a:off x="623888" y="5507358"/>
+            <a:ext cx="7886700" cy="1800224"/>
           </a:xfrm>
         </p:spPr>
         <p:txBody>
@@ -889,15 +894,15 @@
           <a:lstStyle>
             <a:lvl1pPr marL="0" indent="0">
               <a:buNone/>
-              <a:defRPr sz="1440">
+              <a:defRPr sz="2400">
                 <a:solidFill>
                   <a:schemeClr val="tx1"/>
                 </a:solidFill>
               </a:defRPr>
             </a:lvl1pPr>
-            <a:lvl2pPr marL="274320" indent="0">
-              <a:buNone/>
-              <a:defRPr sz="1200">
+            <a:lvl2pPr marL="457200" indent="0">
+              <a:buNone/>
+              <a:defRPr sz="2000">
                 <a:solidFill>
                   <a:schemeClr val="tx1">
                     <a:tint val="75000"/>
@@ -905,9 +910,9 @@
                 </a:solidFill>
               </a:defRPr>
             </a:lvl2pPr>
-            <a:lvl3pPr marL="548640" indent="0">
-              <a:buNone/>
-              <a:defRPr sz="1080">
+            <a:lvl3pPr marL="914400" indent="0">
+              <a:buNone/>
+              <a:defRPr sz="1800">
                 <a:solidFill>
                   <a:schemeClr val="tx1">
                     <a:tint val="75000"/>
@@ -915,9 +920,9 @@
                 </a:solidFill>
               </a:defRPr>
             </a:lvl3pPr>
-            <a:lvl4pPr marL="822960" indent="0">
-              <a:buNone/>
-              <a:defRPr sz="960">
+            <a:lvl4pPr marL="1371600" indent="0">
+              <a:buNone/>
+              <a:defRPr sz="1600">
                 <a:solidFill>
                   <a:schemeClr val="tx1">
                     <a:tint val="75000"/>
@@ -925,9 +930,9 @@
                 </a:solidFill>
               </a:defRPr>
             </a:lvl4pPr>
-            <a:lvl5pPr marL="1097280" indent="0">
-              <a:buNone/>
-              <a:defRPr sz="960">
+            <a:lvl5pPr marL="1828800" indent="0">
+              <a:buNone/>
+              <a:defRPr sz="1600">
                 <a:solidFill>
                   <a:schemeClr val="tx1">
                     <a:tint val="75000"/>
@@ -935,9 +940,9 @@
                 </a:solidFill>
               </a:defRPr>
             </a:lvl5pPr>
-            <a:lvl6pPr marL="1371600" indent="0">
-              <a:buNone/>
-              <a:defRPr sz="960">
+            <a:lvl6pPr marL="2286000" indent="0">
+              <a:buNone/>
+              <a:defRPr sz="1600">
                 <a:solidFill>
                   <a:schemeClr val="tx1">
                     <a:tint val="75000"/>
@@ -945,9 +950,9 @@
                 </a:solidFill>
               </a:defRPr>
             </a:lvl6pPr>
-            <a:lvl7pPr marL="1645920" indent="0">
-              <a:buNone/>
-              <a:defRPr sz="960">
+            <a:lvl7pPr marL="2743200" indent="0">
+              <a:buNone/>
+              <a:defRPr sz="1600">
                 <a:solidFill>
                   <a:schemeClr val="tx1">
                     <a:tint val="75000"/>
@@ -955,9 +960,9 @@
                 </a:solidFill>
               </a:defRPr>
             </a:lvl7pPr>
-            <a:lvl8pPr marL="1920240" indent="0">
-              <a:buNone/>
-              <a:defRPr sz="960">
+            <a:lvl8pPr marL="3200400" indent="0">
+              <a:buNone/>
+              <a:defRPr sz="1600">
                 <a:solidFill>
                   <a:schemeClr val="tx1">
                     <a:tint val="75000"/>
@@ -965,9 +970,9 @@
                 </a:solidFill>
               </a:defRPr>
             </a:lvl8pPr>
-            <a:lvl9pPr marL="2194560" indent="0">
-              <a:buNone/>
-              <a:defRPr sz="960">
+            <a:lvl9pPr marL="3657600" indent="0">
+              <a:buNone/>
+              <a:defRPr sz="1600">
                 <a:solidFill>
                   <a:schemeClr val="tx1">
                     <a:tint val="75000"/>
@@ -980,7 +985,7 @@
             <a:pPr lvl="0"/>
             <a:r>
               <a:rPr lang="en-US"/>
-              <a:t>Edit Master text styles</a:t>
+              <a:t>Click to edit Master text styles</a:t>
             </a:r>
           </a:p>
         </p:txBody>
@@ -1000,9 +1005,9 @@
           <a:bodyPr/>
           <a:lstStyle/>
           <a:p>
-            <a:fld id="{645F7DBC-EAEC-441E-8CA0-A048D5859A18}" type="datetimeFigureOut">
+            <a:fld id="{16253256-60BC-4108-997B-199123995818}" type="datetimeFigureOut">
               <a:rPr lang="en-US" smtClean="0"/>
-              <a:t>11/3/2022</a:t>
+              <a:t>11/13/2022</a:t>
             </a:fld>
             <a:endParaRPr lang="en-US"/>
           </a:p>
@@ -1042,7 +1047,7 @@
           <a:bodyPr/>
           <a:lstStyle/>
           <a:p>
-            <a:fld id="{B5A48D93-383F-4434-892B-4EB7522B144A}" type="slidenum">
+            <a:fld id="{F3A9BA3C-10B0-41C7-AFE9-14DC56FB780D}" type="slidenum">
               <a:rPr lang="en-US" smtClean="0"/>
               <a:t>‹#›</a:t>
             </a:fld>
@@ -1053,7 +1058,7 @@
     </p:spTree>
     <p:extLst>
       <p:ext uri="{BB962C8B-B14F-4D97-AF65-F5344CB8AC3E}">
-        <p14:creationId xmlns:p14="http://schemas.microsoft.com/office/powerpoint/2010/main" val="902266953"/>
+        <p14:creationId xmlns:p14="http://schemas.microsoft.com/office/powerpoint/2010/main" val="1805404774"/>
       </p:ext>
     </p:extLst>
   </p:cSld>
@@ -1115,8 +1120,8 @@
         </p:nvSpPr>
         <p:spPr>
           <a:xfrm>
-            <a:off x="377190" y="1703917"/>
-            <a:ext cx="2331720" cy="4061249"/>
+            <a:off x="628650" y="2190750"/>
+            <a:ext cx="3886200" cy="5221606"/>
           </a:xfrm>
         </p:spPr>
         <p:txBody>
@@ -1126,7 +1131,7 @@
             <a:pPr lvl="0"/>
             <a:r>
               <a:rPr lang="en-US"/>
-              <a:t>Edit Master text styles</a:t>
+              <a:t>Click to edit Master text styles</a:t>
             </a:r>
           </a:p>
           <a:p>
@@ -1172,8 +1177,8 @@
         </p:nvSpPr>
         <p:spPr>
           <a:xfrm>
-            <a:off x="2777490" y="1703917"/>
-            <a:ext cx="2331720" cy="4061249"/>
+            <a:off x="4629150" y="2190750"/>
+            <a:ext cx="3886200" cy="5221606"/>
           </a:xfrm>
         </p:spPr>
         <p:txBody>
@@ -1183,7 +1188,7 @@
             <a:pPr lvl="0"/>
             <a:r>
               <a:rPr lang="en-US"/>
-              <a:t>Edit Master text styles</a:t>
+              <a:t>Click to edit Master text styles</a:t>
             </a:r>
           </a:p>
           <a:p>
@@ -1232,9 +1237,9 @@
           <a:bodyPr/>
           <a:lstStyle/>
           <a:p>
-            <a:fld id="{645F7DBC-EAEC-441E-8CA0-A048D5859A18}" type="datetimeFigureOut">
+            <a:fld id="{16253256-60BC-4108-997B-199123995818}" type="datetimeFigureOut">
               <a:rPr lang="en-US" smtClean="0"/>
-              <a:t>11/3/2022</a:t>
+              <a:t>11/13/2022</a:t>
             </a:fld>
             <a:endParaRPr lang="en-US"/>
           </a:p>
@@ -1274,7 +1279,7 @@
           <a:bodyPr/>
           <a:lstStyle/>
           <a:p>
-            <a:fld id="{B5A48D93-383F-4434-892B-4EB7522B144A}" type="slidenum">
+            <a:fld id="{F3A9BA3C-10B0-41C7-AFE9-14DC56FB780D}" type="slidenum">
               <a:rPr lang="en-US" smtClean="0"/>
               <a:t>‹#›</a:t>
             </a:fld>
@@ -1285,7 +1290,7 @@
     </p:spTree>
     <p:extLst>
       <p:ext uri="{BB962C8B-B14F-4D97-AF65-F5344CB8AC3E}">
-        <p14:creationId xmlns:p14="http://schemas.microsoft.com/office/powerpoint/2010/main" val="3405785574"/>
+        <p14:creationId xmlns:p14="http://schemas.microsoft.com/office/powerpoint/2010/main" val="925758153"/>
       </p:ext>
     </p:extLst>
   </p:cSld>
@@ -1324,8 +1329,8 @@
         </p:nvSpPr>
         <p:spPr>
           <a:xfrm>
-            <a:off x="377905" y="340785"/>
-            <a:ext cx="4732020" cy="1237192"/>
+            <a:off x="629841" y="438152"/>
+            <a:ext cx="7886700" cy="1590676"/>
           </a:xfrm>
         </p:spPr>
         <p:txBody>
@@ -1352,8 +1357,8 @@
         </p:nvSpPr>
         <p:spPr>
           <a:xfrm>
-            <a:off x="377905" y="1569085"/>
-            <a:ext cx="2321004" cy="768985"/>
+            <a:off x="629842" y="2017396"/>
+            <a:ext cx="3868340" cy="988694"/>
           </a:xfrm>
         </p:spPr>
         <p:txBody>
@@ -1361,46 +1366,46 @@
           <a:lstStyle>
             <a:lvl1pPr marL="0" indent="0">
               <a:buNone/>
-              <a:defRPr sz="1440" b="1"/>
+              <a:defRPr sz="2400" b="1"/>
             </a:lvl1pPr>
-            <a:lvl2pPr marL="274320" indent="0">
-              <a:buNone/>
-              <a:defRPr sz="1200" b="1"/>
+            <a:lvl2pPr marL="457200" indent="0">
+              <a:buNone/>
+              <a:defRPr sz="2000" b="1"/>
             </a:lvl2pPr>
-            <a:lvl3pPr marL="548640" indent="0">
-              <a:buNone/>
-              <a:defRPr sz="1080" b="1"/>
+            <a:lvl3pPr marL="914400" indent="0">
+              <a:buNone/>
+              <a:defRPr sz="1800" b="1"/>
             </a:lvl3pPr>
-            <a:lvl4pPr marL="822960" indent="0">
-              <a:buNone/>
-              <a:defRPr sz="960" b="1"/>
+            <a:lvl4pPr marL="1371600" indent="0">
+              <a:buNone/>
+              <a:defRPr sz="1600" b="1"/>
             </a:lvl4pPr>
-            <a:lvl5pPr marL="1097280" indent="0">
-              <a:buNone/>
-              <a:defRPr sz="960" b="1"/>
+            <a:lvl5pPr marL="1828800" indent="0">
+              <a:buNone/>
+              <a:defRPr sz="1600" b="1"/>
             </a:lvl5pPr>
-            <a:lvl6pPr marL="1371600" indent="0">
-              <a:buNone/>
-              <a:defRPr sz="960" b="1"/>
+            <a:lvl6pPr marL="2286000" indent="0">
+              <a:buNone/>
+              <a:defRPr sz="1600" b="1"/>
             </a:lvl6pPr>
-            <a:lvl7pPr marL="1645920" indent="0">
-              <a:buNone/>
-              <a:defRPr sz="960" b="1"/>
+            <a:lvl7pPr marL="2743200" indent="0">
+              <a:buNone/>
+              <a:defRPr sz="1600" b="1"/>
             </a:lvl7pPr>
-            <a:lvl8pPr marL="1920240" indent="0">
-              <a:buNone/>
-              <a:defRPr sz="960" b="1"/>
+            <a:lvl8pPr marL="3200400" indent="0">
+              <a:buNone/>
+              <a:defRPr sz="1600" b="1"/>
             </a:lvl8pPr>
-            <a:lvl9pPr marL="2194560" indent="0">
-              <a:buNone/>
-              <a:defRPr sz="960" b="1"/>
+            <a:lvl9pPr marL="3657600" indent="0">
+              <a:buNone/>
+              <a:defRPr sz="1600" b="1"/>
             </a:lvl9pPr>
           </a:lstStyle>
           <a:p>
             <a:pPr lvl="0"/>
             <a:r>
               <a:rPr lang="en-US"/>
-              <a:t>Edit Master text styles</a:t>
+              <a:t>Click to edit Master text styles</a:t>
             </a:r>
           </a:p>
         </p:txBody>
@@ -1417,8 +1422,8 @@
         </p:nvSpPr>
         <p:spPr>
           <a:xfrm>
-            <a:off x="377905" y="2338070"/>
-            <a:ext cx="2321004" cy="3438949"/>
+            <a:off x="629842" y="3006090"/>
+            <a:ext cx="3868340" cy="4421506"/>
           </a:xfrm>
         </p:spPr>
         <p:txBody>
@@ -1428,7 +1433,7 @@
             <a:pPr lvl="0"/>
             <a:r>
               <a:rPr lang="en-US"/>
-              <a:t>Edit Master text styles</a:t>
+              <a:t>Click to edit Master text styles</a:t>
             </a:r>
           </a:p>
           <a:p>
@@ -1474,8 +1479,8 @@
         </p:nvSpPr>
         <p:spPr>
           <a:xfrm>
-            <a:off x="2777490" y="1569085"/>
-            <a:ext cx="2332435" cy="768985"/>
+            <a:off x="4629151" y="2017396"/>
+            <a:ext cx="3887391" cy="988694"/>
           </a:xfrm>
         </p:spPr>
         <p:txBody>
@@ -1483,46 +1488,46 @@
           <a:lstStyle>
             <a:lvl1pPr marL="0" indent="0">
               <a:buNone/>
-              <a:defRPr sz="1440" b="1"/>
+              <a:defRPr sz="2400" b="1"/>
             </a:lvl1pPr>
-            <a:lvl2pPr marL="274320" indent="0">
-              <a:buNone/>
-              <a:defRPr sz="1200" b="1"/>
+            <a:lvl2pPr marL="457200" indent="0">
+              <a:buNone/>
+              <a:defRPr sz="2000" b="1"/>
             </a:lvl2pPr>
-            <a:lvl3pPr marL="548640" indent="0">
-              <a:buNone/>
-              <a:defRPr sz="1080" b="1"/>
+            <a:lvl3pPr marL="914400" indent="0">
+              <a:buNone/>
+              <a:defRPr sz="1800" b="1"/>
             </a:lvl3pPr>
-            <a:lvl4pPr marL="822960" indent="0">
-              <a:buNone/>
-              <a:defRPr sz="960" b="1"/>
+            <a:lvl4pPr marL="1371600" indent="0">
+              <a:buNone/>
+              <a:defRPr sz="1600" b="1"/>
             </a:lvl4pPr>
-            <a:lvl5pPr marL="1097280" indent="0">
-              <a:buNone/>
-              <a:defRPr sz="960" b="1"/>
+            <a:lvl5pPr marL="1828800" indent="0">
+              <a:buNone/>
+              <a:defRPr sz="1600" b="1"/>
             </a:lvl5pPr>
-            <a:lvl6pPr marL="1371600" indent="0">
-              <a:buNone/>
-              <a:defRPr sz="960" b="1"/>
+            <a:lvl6pPr marL="2286000" indent="0">
+              <a:buNone/>
+              <a:defRPr sz="1600" b="1"/>
             </a:lvl6pPr>
-            <a:lvl7pPr marL="1645920" indent="0">
-              <a:buNone/>
-              <a:defRPr sz="960" b="1"/>
+            <a:lvl7pPr marL="2743200" indent="0">
+              <a:buNone/>
+              <a:defRPr sz="1600" b="1"/>
             </a:lvl7pPr>
-            <a:lvl8pPr marL="1920240" indent="0">
-              <a:buNone/>
-              <a:defRPr sz="960" b="1"/>
+            <a:lvl8pPr marL="3200400" indent="0">
+              <a:buNone/>
+              <a:defRPr sz="1600" b="1"/>
             </a:lvl8pPr>
-            <a:lvl9pPr marL="2194560" indent="0">
-              <a:buNone/>
-              <a:defRPr sz="960" b="1"/>
+            <a:lvl9pPr marL="3657600" indent="0">
+              <a:buNone/>
+              <a:defRPr sz="1600" b="1"/>
             </a:lvl9pPr>
           </a:lstStyle>
           <a:p>
             <a:pPr lvl="0"/>
             <a:r>
               <a:rPr lang="en-US"/>
-              <a:t>Edit Master text styles</a:t>
+              <a:t>Click to edit Master text styles</a:t>
             </a:r>
           </a:p>
         </p:txBody>
@@ -1539,8 +1544,8 @@
         </p:nvSpPr>
         <p:spPr>
           <a:xfrm>
-            <a:off x="2777490" y="2338070"/>
-            <a:ext cx="2332435" cy="3438949"/>
+            <a:off x="4629151" y="3006090"/>
+            <a:ext cx="3887391" cy="4421506"/>
           </a:xfrm>
         </p:spPr>
         <p:txBody>
@@ -1550,7 +1555,7 @@
             <a:pPr lvl="0"/>
             <a:r>
               <a:rPr lang="en-US"/>
-              <a:t>Edit Master text styles</a:t>
+              <a:t>Click to edit Master text styles</a:t>
             </a:r>
           </a:p>
           <a:p>
@@ -1599,9 +1604,9 @@
           <a:bodyPr/>
           <a:lstStyle/>
           <a:p>
-            <a:fld id="{645F7DBC-EAEC-441E-8CA0-A048D5859A18}" type="datetimeFigureOut">
+            <a:fld id="{16253256-60BC-4108-997B-199123995818}" type="datetimeFigureOut">
               <a:rPr lang="en-US" smtClean="0"/>
-              <a:t>11/3/2022</a:t>
+              <a:t>11/13/2022</a:t>
             </a:fld>
             <a:endParaRPr lang="en-US"/>
           </a:p>
@@ -1641,7 +1646,7 @@
           <a:bodyPr/>
           <a:lstStyle/>
           <a:p>
-            <a:fld id="{B5A48D93-383F-4434-892B-4EB7522B144A}" type="slidenum">
+            <a:fld id="{F3A9BA3C-10B0-41C7-AFE9-14DC56FB780D}" type="slidenum">
               <a:rPr lang="en-US" smtClean="0"/>
               <a:t>‹#›</a:t>
             </a:fld>
@@ -1652,7 +1657,7 @@
     </p:spTree>
     <p:extLst>
       <p:ext uri="{BB962C8B-B14F-4D97-AF65-F5344CB8AC3E}">
-        <p14:creationId xmlns:p14="http://schemas.microsoft.com/office/powerpoint/2010/main" val="2339591006"/>
+        <p14:creationId xmlns:p14="http://schemas.microsoft.com/office/powerpoint/2010/main" val="3376673565"/>
       </p:ext>
     </p:extLst>
   </p:cSld>
@@ -1717,9 +1722,9 @@
           <a:bodyPr/>
           <a:lstStyle/>
           <a:p>
-            <a:fld id="{645F7DBC-EAEC-441E-8CA0-A048D5859A18}" type="datetimeFigureOut">
+            <a:fld id="{16253256-60BC-4108-997B-199123995818}" type="datetimeFigureOut">
               <a:rPr lang="en-US" smtClean="0"/>
-              <a:t>11/3/2022</a:t>
+              <a:t>11/13/2022</a:t>
             </a:fld>
             <a:endParaRPr lang="en-US"/>
           </a:p>
@@ -1759,7 +1764,7 @@
           <a:bodyPr/>
           <a:lstStyle/>
           <a:p>
-            <a:fld id="{B5A48D93-383F-4434-892B-4EB7522B144A}" type="slidenum">
+            <a:fld id="{F3A9BA3C-10B0-41C7-AFE9-14DC56FB780D}" type="slidenum">
               <a:rPr lang="en-US" smtClean="0"/>
               <a:t>‹#›</a:t>
             </a:fld>
@@ -1770,7 +1775,7 @@
     </p:spTree>
     <p:extLst>
       <p:ext uri="{BB962C8B-B14F-4D97-AF65-F5344CB8AC3E}">
-        <p14:creationId xmlns:p14="http://schemas.microsoft.com/office/powerpoint/2010/main" val="1537054104"/>
+        <p14:creationId xmlns:p14="http://schemas.microsoft.com/office/powerpoint/2010/main" val="2326732089"/>
       </p:ext>
     </p:extLst>
   </p:cSld>
@@ -1812,9 +1817,9 @@
           <a:bodyPr/>
           <a:lstStyle/>
           <a:p>
-            <a:fld id="{645F7DBC-EAEC-441E-8CA0-A048D5859A18}" type="datetimeFigureOut">
+            <a:fld id="{16253256-60BC-4108-997B-199123995818}" type="datetimeFigureOut">
               <a:rPr lang="en-US" smtClean="0"/>
-              <a:t>11/3/2022</a:t>
+              <a:t>11/13/2022</a:t>
             </a:fld>
             <a:endParaRPr lang="en-US"/>
           </a:p>
@@ -1854,7 +1859,7 @@
           <a:bodyPr/>
           <a:lstStyle/>
           <a:p>
-            <a:fld id="{B5A48D93-383F-4434-892B-4EB7522B144A}" type="slidenum">
+            <a:fld id="{F3A9BA3C-10B0-41C7-AFE9-14DC56FB780D}" type="slidenum">
               <a:rPr lang="en-US" smtClean="0"/>
               <a:t>‹#›</a:t>
             </a:fld>
@@ -1865,7 +1870,7 @@
     </p:spTree>
     <p:extLst>
       <p:ext uri="{BB962C8B-B14F-4D97-AF65-F5344CB8AC3E}">
-        <p14:creationId xmlns:p14="http://schemas.microsoft.com/office/powerpoint/2010/main" val="679853639"/>
+        <p14:creationId xmlns:p14="http://schemas.microsoft.com/office/powerpoint/2010/main" val="2325985914"/>
       </p:ext>
     </p:extLst>
   </p:cSld>
@@ -1904,15 +1909,15 @@
         </p:nvSpPr>
         <p:spPr>
           <a:xfrm>
-            <a:off x="377905" y="426720"/>
-            <a:ext cx="1769507" cy="1493520"/>
+            <a:off x="629841" y="548640"/>
+            <a:ext cx="2949178" cy="1920240"/>
           </a:xfrm>
         </p:spPr>
         <p:txBody>
           <a:bodyPr anchor="b"/>
           <a:lstStyle>
             <a:lvl1pPr>
-              <a:defRPr sz="1920"/>
+              <a:defRPr sz="3200"/>
             </a:lvl1pPr>
           </a:lstStyle>
           <a:p>
@@ -1936,46 +1941,46 @@
         </p:nvSpPr>
         <p:spPr>
           <a:xfrm>
-            <a:off x="2332435" y="921598"/>
-            <a:ext cx="2777490" cy="4548717"/>
+            <a:off x="3887391" y="1184912"/>
+            <a:ext cx="4629150" cy="5848350"/>
           </a:xfrm>
         </p:spPr>
         <p:txBody>
           <a:bodyPr/>
           <a:lstStyle>
             <a:lvl1pPr>
-              <a:defRPr sz="1920"/>
+              <a:defRPr sz="3200"/>
             </a:lvl1pPr>
             <a:lvl2pPr>
-              <a:defRPr sz="1680"/>
+              <a:defRPr sz="2800"/>
             </a:lvl2pPr>
             <a:lvl3pPr>
-              <a:defRPr sz="1440"/>
+              <a:defRPr sz="2400"/>
             </a:lvl3pPr>
             <a:lvl4pPr>
-              <a:defRPr sz="1200"/>
+              <a:defRPr sz="2000"/>
             </a:lvl4pPr>
             <a:lvl5pPr>
-              <a:defRPr sz="1200"/>
+              <a:defRPr sz="2000"/>
             </a:lvl5pPr>
             <a:lvl6pPr>
-              <a:defRPr sz="1200"/>
+              <a:defRPr sz="2000"/>
             </a:lvl6pPr>
             <a:lvl7pPr>
-              <a:defRPr sz="1200"/>
+              <a:defRPr sz="2000"/>
             </a:lvl7pPr>
             <a:lvl8pPr>
-              <a:defRPr sz="1200"/>
+              <a:defRPr sz="2000"/>
             </a:lvl8pPr>
             <a:lvl9pPr>
-              <a:defRPr sz="1200"/>
+              <a:defRPr sz="2000"/>
             </a:lvl9pPr>
           </a:lstStyle>
           <a:p>
             <a:pPr lvl="0"/>
             <a:r>
               <a:rPr lang="en-US"/>
-              <a:t>Edit Master text styles</a:t>
+              <a:t>Click to edit Master text styles</a:t>
             </a:r>
           </a:p>
           <a:p>
@@ -2021,8 +2026,8 @@
         </p:nvSpPr>
         <p:spPr>
           <a:xfrm>
-            <a:off x="377905" y="1920240"/>
-            <a:ext cx="1769507" cy="3557482"/>
+            <a:off x="629841" y="2468880"/>
+            <a:ext cx="2949178" cy="4573906"/>
           </a:xfrm>
         </p:spPr>
         <p:txBody>
@@ -2030,46 +2035,46 @@
           <a:lstStyle>
             <a:lvl1pPr marL="0" indent="0">
               <a:buNone/>
-              <a:defRPr sz="960"/>
+              <a:defRPr sz="1600"/>
             </a:lvl1pPr>
-            <a:lvl2pPr marL="274320" indent="0">
-              <a:buNone/>
-              <a:defRPr sz="840"/>
+            <a:lvl2pPr marL="457200" indent="0">
+              <a:buNone/>
+              <a:defRPr sz="1400"/>
             </a:lvl2pPr>
-            <a:lvl3pPr marL="548640" indent="0">
-              <a:buNone/>
-              <a:defRPr sz="720"/>
+            <a:lvl3pPr marL="914400" indent="0">
+              <a:buNone/>
+              <a:defRPr sz="1200"/>
             </a:lvl3pPr>
-            <a:lvl4pPr marL="822960" indent="0">
-              <a:buNone/>
-              <a:defRPr sz="600"/>
+            <a:lvl4pPr marL="1371600" indent="0">
+              <a:buNone/>
+              <a:defRPr sz="1000"/>
             </a:lvl4pPr>
-            <a:lvl5pPr marL="1097280" indent="0">
-              <a:buNone/>
-              <a:defRPr sz="600"/>
+            <a:lvl5pPr marL="1828800" indent="0">
+              <a:buNone/>
+              <a:defRPr sz="1000"/>
             </a:lvl5pPr>
-            <a:lvl6pPr marL="1371600" indent="0">
-              <a:buNone/>
-              <a:defRPr sz="600"/>
+            <a:lvl6pPr marL="2286000" indent="0">
+              <a:buNone/>
+              <a:defRPr sz="1000"/>
             </a:lvl6pPr>
-            <a:lvl7pPr marL="1645920" indent="0">
-              <a:buNone/>
-              <a:defRPr sz="600"/>
+            <a:lvl7pPr marL="2743200" indent="0">
+              <a:buNone/>
+              <a:defRPr sz="1000"/>
             </a:lvl7pPr>
-            <a:lvl8pPr marL="1920240" indent="0">
-              <a:buNone/>
-              <a:defRPr sz="600"/>
+            <a:lvl8pPr marL="3200400" indent="0">
+              <a:buNone/>
+              <a:defRPr sz="1000"/>
             </a:lvl8pPr>
-            <a:lvl9pPr marL="2194560" indent="0">
-              <a:buNone/>
-              <a:defRPr sz="600"/>
+            <a:lvl9pPr marL="3657600" indent="0">
+              <a:buNone/>
+              <a:defRPr sz="1000"/>
             </a:lvl9pPr>
           </a:lstStyle>
           <a:p>
             <a:pPr lvl="0"/>
             <a:r>
               <a:rPr lang="en-US"/>
-              <a:t>Edit Master text styles</a:t>
+              <a:t>Click to edit Master text styles</a:t>
             </a:r>
           </a:p>
         </p:txBody>
@@ -2089,9 +2094,9 @@
           <a:bodyPr/>
           <a:lstStyle/>
           <a:p>
-            <a:fld id="{645F7DBC-EAEC-441E-8CA0-A048D5859A18}" type="datetimeFigureOut">
+            <a:fld id="{16253256-60BC-4108-997B-199123995818}" type="datetimeFigureOut">
               <a:rPr lang="en-US" smtClean="0"/>
-              <a:t>11/3/2022</a:t>
+              <a:t>11/13/2022</a:t>
             </a:fld>
             <a:endParaRPr lang="en-US"/>
           </a:p>
@@ -2131,7 +2136,7 @@
           <a:bodyPr/>
           <a:lstStyle/>
           <a:p>
-            <a:fld id="{B5A48D93-383F-4434-892B-4EB7522B144A}" type="slidenum">
+            <a:fld id="{F3A9BA3C-10B0-41C7-AFE9-14DC56FB780D}" type="slidenum">
               <a:rPr lang="en-US" smtClean="0"/>
               <a:t>‹#›</a:t>
             </a:fld>
@@ -2142,7 +2147,7 @@
     </p:spTree>
     <p:extLst>
       <p:ext uri="{BB962C8B-B14F-4D97-AF65-F5344CB8AC3E}">
-        <p14:creationId xmlns:p14="http://schemas.microsoft.com/office/powerpoint/2010/main" val="2747346555"/>
+        <p14:creationId xmlns:p14="http://schemas.microsoft.com/office/powerpoint/2010/main" val="1798495988"/>
       </p:ext>
     </p:extLst>
   </p:cSld>
@@ -2181,15 +2186,15 @@
         </p:nvSpPr>
         <p:spPr>
           <a:xfrm>
-            <a:off x="377905" y="426720"/>
-            <a:ext cx="1769507" cy="1493520"/>
+            <a:off x="629841" y="548640"/>
+            <a:ext cx="2949178" cy="1920240"/>
           </a:xfrm>
         </p:spPr>
         <p:txBody>
           <a:bodyPr anchor="b"/>
           <a:lstStyle>
             <a:lvl1pPr>
-              <a:defRPr sz="1920"/>
+              <a:defRPr sz="3200"/>
             </a:lvl1pPr>
           </a:lstStyle>
           <a:p>
@@ -2213,8 +2218,8 @@
         </p:nvSpPr>
         <p:spPr>
           <a:xfrm>
-            <a:off x="2332435" y="921598"/>
-            <a:ext cx="2777490" cy="4548717"/>
+            <a:off x="3887391" y="1184912"/>
+            <a:ext cx="4629150" cy="5848350"/>
           </a:xfrm>
         </p:spPr>
         <p:txBody>
@@ -2222,39 +2227,39 @@
           <a:lstStyle>
             <a:lvl1pPr marL="0" indent="0">
               <a:buNone/>
-              <a:defRPr sz="1920"/>
+              <a:defRPr sz="3200"/>
             </a:lvl1pPr>
-            <a:lvl2pPr marL="274320" indent="0">
-              <a:buNone/>
-              <a:defRPr sz="1680"/>
+            <a:lvl2pPr marL="457200" indent="0">
+              <a:buNone/>
+              <a:defRPr sz="2800"/>
             </a:lvl2pPr>
-            <a:lvl3pPr marL="548640" indent="0">
-              <a:buNone/>
-              <a:defRPr sz="1440"/>
+            <a:lvl3pPr marL="914400" indent="0">
+              <a:buNone/>
+              <a:defRPr sz="2400"/>
             </a:lvl3pPr>
-            <a:lvl4pPr marL="822960" indent="0">
-              <a:buNone/>
-              <a:defRPr sz="1200"/>
+            <a:lvl4pPr marL="1371600" indent="0">
+              <a:buNone/>
+              <a:defRPr sz="2000"/>
             </a:lvl4pPr>
-            <a:lvl5pPr marL="1097280" indent="0">
-              <a:buNone/>
-              <a:defRPr sz="1200"/>
+            <a:lvl5pPr marL="1828800" indent="0">
+              <a:buNone/>
+              <a:defRPr sz="2000"/>
             </a:lvl5pPr>
-            <a:lvl6pPr marL="1371600" indent="0">
-              <a:buNone/>
-              <a:defRPr sz="1200"/>
+            <a:lvl6pPr marL="2286000" indent="0">
+              <a:buNone/>
+              <a:defRPr sz="2000"/>
             </a:lvl6pPr>
-            <a:lvl7pPr marL="1645920" indent="0">
-              <a:buNone/>
-              <a:defRPr sz="1200"/>
+            <a:lvl7pPr marL="2743200" indent="0">
+              <a:buNone/>
+              <a:defRPr sz="2000"/>
             </a:lvl7pPr>
-            <a:lvl8pPr marL="1920240" indent="0">
-              <a:buNone/>
-              <a:defRPr sz="1200"/>
+            <a:lvl8pPr marL="3200400" indent="0">
+              <a:buNone/>
+              <a:defRPr sz="2000"/>
             </a:lvl8pPr>
-            <a:lvl9pPr marL="2194560" indent="0">
-              <a:buNone/>
-              <a:defRPr sz="1200"/>
+            <a:lvl9pPr marL="3657600" indent="0">
+              <a:buNone/>
+              <a:defRPr sz="2000"/>
             </a:lvl9pPr>
           </a:lstStyle>
           <a:p>
@@ -2278,8 +2283,8 @@
         </p:nvSpPr>
         <p:spPr>
           <a:xfrm>
-            <a:off x="377905" y="1920240"/>
-            <a:ext cx="1769507" cy="3557482"/>
+            <a:off x="629841" y="2468880"/>
+            <a:ext cx="2949178" cy="4573906"/>
           </a:xfrm>
         </p:spPr>
         <p:txBody>
@@ -2287,46 +2292,46 @@
           <a:lstStyle>
             <a:lvl1pPr marL="0" indent="0">
               <a:buNone/>
-              <a:defRPr sz="960"/>
+              <a:defRPr sz="1600"/>
             </a:lvl1pPr>
-            <a:lvl2pPr marL="274320" indent="0">
-              <a:buNone/>
-              <a:defRPr sz="840"/>
+            <a:lvl2pPr marL="457200" indent="0">
+              <a:buNone/>
+              <a:defRPr sz="1400"/>
             </a:lvl2pPr>
-            <a:lvl3pPr marL="548640" indent="0">
-              <a:buNone/>
-              <a:defRPr sz="720"/>
+            <a:lvl3pPr marL="914400" indent="0">
+              <a:buNone/>
+              <a:defRPr sz="1200"/>
             </a:lvl3pPr>
-            <a:lvl4pPr marL="822960" indent="0">
-              <a:buNone/>
-              <a:defRPr sz="600"/>
+            <a:lvl4pPr marL="1371600" indent="0">
+              <a:buNone/>
+              <a:defRPr sz="1000"/>
             </a:lvl4pPr>
-            <a:lvl5pPr marL="1097280" indent="0">
-              <a:buNone/>
-              <a:defRPr sz="600"/>
+            <a:lvl5pPr marL="1828800" indent="0">
+              <a:buNone/>
+              <a:defRPr sz="1000"/>
             </a:lvl5pPr>
-            <a:lvl6pPr marL="1371600" indent="0">
-              <a:buNone/>
-              <a:defRPr sz="600"/>
+            <a:lvl6pPr marL="2286000" indent="0">
+              <a:buNone/>
+              <a:defRPr sz="1000"/>
             </a:lvl6pPr>
-            <a:lvl7pPr marL="1645920" indent="0">
-              <a:buNone/>
-              <a:defRPr sz="600"/>
+            <a:lvl7pPr marL="2743200" indent="0">
+              <a:buNone/>
+              <a:defRPr sz="1000"/>
             </a:lvl7pPr>
-            <a:lvl8pPr marL="1920240" indent="0">
-              <a:buNone/>
-              <a:defRPr sz="600"/>
+            <a:lvl8pPr marL="3200400" indent="0">
+              <a:buNone/>
+              <a:defRPr sz="1000"/>
             </a:lvl8pPr>
-            <a:lvl9pPr marL="2194560" indent="0">
-              <a:buNone/>
-              <a:defRPr sz="600"/>
+            <a:lvl9pPr marL="3657600" indent="0">
+              <a:buNone/>
+              <a:defRPr sz="1000"/>
             </a:lvl9pPr>
           </a:lstStyle>
           <a:p>
             <a:pPr lvl="0"/>
             <a:r>
               <a:rPr lang="en-US"/>
-              <a:t>Edit Master text styles</a:t>
+              <a:t>Click to edit Master text styles</a:t>
             </a:r>
           </a:p>
         </p:txBody>
@@ -2346,9 +2351,9 @@
           <a:bodyPr/>
           <a:lstStyle/>
           <a:p>
-            <a:fld id="{645F7DBC-EAEC-441E-8CA0-A048D5859A18}" type="datetimeFigureOut">
+            <a:fld id="{16253256-60BC-4108-997B-199123995818}" type="datetimeFigureOut">
               <a:rPr lang="en-US" smtClean="0"/>
-              <a:t>11/3/2022</a:t>
+              <a:t>11/13/2022</a:t>
             </a:fld>
             <a:endParaRPr lang="en-US"/>
           </a:p>
@@ -2388,7 +2393,7 @@
           <a:bodyPr/>
           <a:lstStyle/>
           <a:p>
-            <a:fld id="{B5A48D93-383F-4434-892B-4EB7522B144A}" type="slidenum">
+            <a:fld id="{F3A9BA3C-10B0-41C7-AFE9-14DC56FB780D}" type="slidenum">
               <a:rPr lang="en-US" smtClean="0"/>
               <a:t>‹#›</a:t>
             </a:fld>
@@ -2399,7 +2404,7 @@
     </p:spTree>
     <p:extLst>
       <p:ext uri="{BB962C8B-B14F-4D97-AF65-F5344CB8AC3E}">
-        <p14:creationId xmlns:p14="http://schemas.microsoft.com/office/powerpoint/2010/main" val="2616880513"/>
+        <p14:creationId xmlns:p14="http://schemas.microsoft.com/office/powerpoint/2010/main" val="3299625615"/>
       </p:ext>
     </p:extLst>
   </p:cSld>
@@ -2443,8 +2448,8 @@
         </p:nvSpPr>
         <p:spPr>
           <a:xfrm>
-            <a:off x="377190" y="340785"/>
-            <a:ext cx="4732020" cy="1237192"/>
+            <a:off x="628650" y="438152"/>
+            <a:ext cx="7886700" cy="1590676"/>
           </a:xfrm>
           <a:prstGeom prst="rect">
             <a:avLst/>
@@ -2476,8 +2481,8 @@
         </p:nvSpPr>
         <p:spPr>
           <a:xfrm>
-            <a:off x="377190" y="1703917"/>
-            <a:ext cx="4732020" cy="4061249"/>
+            <a:off x="628650" y="2190750"/>
+            <a:ext cx="7886700" cy="5221606"/>
           </a:xfrm>
           <a:prstGeom prst="rect">
             <a:avLst/>
@@ -2492,7 +2497,7 @@
             <a:pPr lvl="0"/>
             <a:r>
               <a:rPr lang="en-US"/>
-              <a:t>Edit Master text styles</a:t>
+              <a:t>Click to edit Master text styles</a:t>
             </a:r>
           </a:p>
           <a:p>
@@ -2538,8 +2543,8 @@
         </p:nvSpPr>
         <p:spPr>
           <a:xfrm>
-            <a:off x="377190" y="5932595"/>
-            <a:ext cx="1234440" cy="340783"/>
+            <a:off x="628650" y="7627622"/>
+            <a:ext cx="2057400" cy="438150"/>
           </a:xfrm>
           <a:prstGeom prst="rect">
             <a:avLst/>
@@ -2549,7 +2554,7 @@
           <a:bodyPr vert="horz" lIns="91440" tIns="45720" rIns="91440" bIns="45720" rtlCol="0" anchor="ctr"/>
           <a:lstStyle>
             <a:lvl1pPr algn="l">
-              <a:defRPr sz="720">
+              <a:defRPr sz="1200">
                 <a:solidFill>
                   <a:schemeClr val="tx1">
                     <a:tint val="75000"/>
@@ -2559,9 +2564,9 @@
             </a:lvl1pPr>
           </a:lstStyle>
           <a:p>
-            <a:fld id="{645F7DBC-EAEC-441E-8CA0-A048D5859A18}" type="datetimeFigureOut">
+            <a:fld id="{16253256-60BC-4108-997B-199123995818}" type="datetimeFigureOut">
               <a:rPr lang="en-US" smtClean="0"/>
-              <a:t>11/3/2022</a:t>
+              <a:t>11/13/2022</a:t>
             </a:fld>
             <a:endParaRPr lang="en-US"/>
           </a:p>
@@ -2579,8 +2584,8 @@
         </p:nvSpPr>
         <p:spPr>
           <a:xfrm>
-            <a:off x="1817370" y="5932595"/>
-            <a:ext cx="1851660" cy="340783"/>
+            <a:off x="3028950" y="7627622"/>
+            <a:ext cx="3086100" cy="438150"/>
           </a:xfrm>
           <a:prstGeom prst="rect">
             <a:avLst/>
@@ -2590,7 +2595,7 @@
           <a:bodyPr vert="horz" lIns="91440" tIns="45720" rIns="91440" bIns="45720" rtlCol="0" anchor="ctr"/>
           <a:lstStyle>
             <a:lvl1pPr algn="ctr">
-              <a:defRPr sz="720">
+              <a:defRPr sz="1200">
                 <a:solidFill>
                   <a:schemeClr val="tx1">
                     <a:tint val="75000"/>
@@ -2616,8 +2621,8 @@
         </p:nvSpPr>
         <p:spPr>
           <a:xfrm>
-            <a:off x="3874770" y="5932595"/>
-            <a:ext cx="1234440" cy="340783"/>
+            <a:off x="6457950" y="7627622"/>
+            <a:ext cx="2057400" cy="438150"/>
           </a:xfrm>
           <a:prstGeom prst="rect">
             <a:avLst/>
@@ -2627,7 +2632,7 @@
           <a:bodyPr vert="horz" lIns="91440" tIns="45720" rIns="91440" bIns="45720" rtlCol="0" anchor="ctr"/>
           <a:lstStyle>
             <a:lvl1pPr algn="r">
-              <a:defRPr sz="720">
+              <a:defRPr sz="1200">
                 <a:solidFill>
                   <a:schemeClr val="tx1">
                     <a:tint val="75000"/>
@@ -2637,7 +2642,7 @@
             </a:lvl1pPr>
           </a:lstStyle>
           <a:p>
-            <a:fld id="{B5A48D93-383F-4434-892B-4EB7522B144A}" type="slidenum">
+            <a:fld id="{F3A9BA3C-10B0-41C7-AFE9-14DC56FB780D}" type="slidenum">
               <a:rPr lang="en-US" smtClean="0"/>
               <a:t>‹#›</a:t>
             </a:fld>
@@ -2648,27 +2653,27 @@
     </p:spTree>
     <p:extLst>
       <p:ext uri="{BB962C8B-B14F-4D97-AF65-F5344CB8AC3E}">
-        <p14:creationId xmlns:p14="http://schemas.microsoft.com/office/powerpoint/2010/main" val="1813973282"/>
+        <p14:creationId xmlns:p14="http://schemas.microsoft.com/office/powerpoint/2010/main" val="428039262"/>
       </p:ext>
     </p:extLst>
   </p:cSld>
   <p:clrMap bg1="lt1" tx1="dk1" bg2="lt2" tx2="dk2" accent1="accent1" accent2="accent2" accent3="accent3" accent4="accent4" accent5="accent5" accent6="accent6" hlink="hlink" folHlink="folHlink"/>
   <p:sldLayoutIdLst>
-    <p:sldLayoutId id="2147483685" r:id="rId1"/>
-    <p:sldLayoutId id="2147483686" r:id="rId2"/>
-    <p:sldLayoutId id="2147483687" r:id="rId3"/>
-    <p:sldLayoutId id="2147483688" r:id="rId4"/>
-    <p:sldLayoutId id="2147483689" r:id="rId5"/>
-    <p:sldLayoutId id="2147483690" r:id="rId6"/>
-    <p:sldLayoutId id="2147483691" r:id="rId7"/>
-    <p:sldLayoutId id="2147483692" r:id="rId8"/>
-    <p:sldLayoutId id="2147483693" r:id="rId9"/>
-    <p:sldLayoutId id="2147483694" r:id="rId10"/>
-    <p:sldLayoutId id="2147483695" r:id="rId11"/>
+    <p:sldLayoutId id="2147483697" r:id="rId1"/>
+    <p:sldLayoutId id="2147483698" r:id="rId2"/>
+    <p:sldLayoutId id="2147483699" r:id="rId3"/>
+    <p:sldLayoutId id="2147483700" r:id="rId4"/>
+    <p:sldLayoutId id="2147483701" r:id="rId5"/>
+    <p:sldLayoutId id="2147483702" r:id="rId6"/>
+    <p:sldLayoutId id="2147483703" r:id="rId7"/>
+    <p:sldLayoutId id="2147483704" r:id="rId8"/>
+    <p:sldLayoutId id="2147483705" r:id="rId9"/>
+    <p:sldLayoutId id="2147483706" r:id="rId10"/>
+    <p:sldLayoutId id="2147483707" r:id="rId11"/>
   </p:sldLayoutIdLst>
   <p:txStyles>
     <p:titleStyle>
-      <a:lvl1pPr algn="l" defTabSz="548640" rtl="0" eaLnBrk="1" latinLnBrk="0" hangingPunct="1">
+      <a:lvl1pPr algn="l" defTabSz="914400" rtl="0" eaLnBrk="1" latinLnBrk="0" hangingPunct="1">
         <a:lnSpc>
           <a:spcPct val="90000"/>
         </a:lnSpc>
@@ -2676,7 +2681,7 @@
           <a:spcPct val="0"/>
         </a:spcBef>
         <a:buNone/>
-        <a:defRPr sz="2640" kern="1200">
+        <a:defRPr sz="4400" kern="1200">
           <a:solidFill>
             <a:schemeClr val="tx1"/>
           </a:solidFill>
@@ -2687,16 +2692,16 @@
       </a:lvl1pPr>
     </p:titleStyle>
     <p:bodyStyle>
-      <a:lvl1pPr marL="137160" indent="-137160" algn="l" defTabSz="548640" rtl="0" eaLnBrk="1" latinLnBrk="0" hangingPunct="1">
+      <a:lvl1pPr marL="228600" indent="-228600" algn="l" defTabSz="914400" rtl="0" eaLnBrk="1" latinLnBrk="0" hangingPunct="1">
         <a:lnSpc>
           <a:spcPct val="90000"/>
         </a:lnSpc>
         <a:spcBef>
-          <a:spcPts val="600"/>
+          <a:spcPts val="1000"/>
         </a:spcBef>
         <a:buFont typeface="Arial" panose="020B0604020202020204" pitchFamily="34" charset="0"/>
         <a:buChar char="•"/>
-        <a:defRPr sz="1680" kern="1200">
+        <a:defRPr sz="2800" kern="1200">
           <a:solidFill>
             <a:schemeClr val="tx1"/>
           </a:solidFill>
@@ -2705,16 +2710,16 @@
           <a:cs typeface="+mn-cs"/>
         </a:defRPr>
       </a:lvl1pPr>
-      <a:lvl2pPr marL="411480" indent="-137160" algn="l" defTabSz="548640" rtl="0" eaLnBrk="1" latinLnBrk="0" hangingPunct="1">
+      <a:lvl2pPr marL="685800" indent="-228600" algn="l" defTabSz="914400" rtl="0" eaLnBrk="1" latinLnBrk="0" hangingPunct="1">
         <a:lnSpc>
           <a:spcPct val="90000"/>
         </a:lnSpc>
         <a:spcBef>
-          <a:spcPts val="300"/>
+          <a:spcPts val="500"/>
         </a:spcBef>
         <a:buFont typeface="Arial" panose="020B0604020202020204" pitchFamily="34" charset="0"/>
         <a:buChar char="•"/>
-        <a:defRPr sz="1440" kern="1200">
+        <a:defRPr sz="2400" kern="1200">
           <a:solidFill>
             <a:schemeClr val="tx1"/>
           </a:solidFill>
@@ -2723,16 +2728,16 @@
           <a:cs typeface="+mn-cs"/>
         </a:defRPr>
       </a:lvl2pPr>
-      <a:lvl3pPr marL="685800" indent="-137160" algn="l" defTabSz="548640" rtl="0" eaLnBrk="1" latinLnBrk="0" hangingPunct="1">
+      <a:lvl3pPr marL="1143000" indent="-228600" algn="l" defTabSz="914400" rtl="0" eaLnBrk="1" latinLnBrk="0" hangingPunct="1">
         <a:lnSpc>
           <a:spcPct val="90000"/>
         </a:lnSpc>
         <a:spcBef>
-          <a:spcPts val="300"/>
+          <a:spcPts val="500"/>
         </a:spcBef>
         <a:buFont typeface="Arial" panose="020B0604020202020204" pitchFamily="34" charset="0"/>
         <a:buChar char="•"/>
-        <a:defRPr sz="1200" kern="1200">
+        <a:defRPr sz="2000" kern="1200">
           <a:solidFill>
             <a:schemeClr val="tx1"/>
           </a:solidFill>
@@ -2741,16 +2746,16 @@
           <a:cs typeface="+mn-cs"/>
         </a:defRPr>
       </a:lvl3pPr>
-      <a:lvl4pPr marL="960120" indent="-137160" algn="l" defTabSz="548640" rtl="0" eaLnBrk="1" latinLnBrk="0" hangingPunct="1">
+      <a:lvl4pPr marL="1600200" indent="-228600" algn="l" defTabSz="914400" rtl="0" eaLnBrk="1" latinLnBrk="0" hangingPunct="1">
         <a:lnSpc>
           <a:spcPct val="90000"/>
         </a:lnSpc>
         <a:spcBef>
-          <a:spcPts val="300"/>
+          <a:spcPts val="500"/>
         </a:spcBef>
         <a:buFont typeface="Arial" panose="020B0604020202020204" pitchFamily="34" charset="0"/>
         <a:buChar char="•"/>
-        <a:defRPr sz="1080" kern="1200">
+        <a:defRPr sz="1800" kern="1200">
           <a:solidFill>
             <a:schemeClr val="tx1"/>
           </a:solidFill>
@@ -2759,16 +2764,16 @@
           <a:cs typeface="+mn-cs"/>
         </a:defRPr>
       </a:lvl4pPr>
-      <a:lvl5pPr marL="1234440" indent="-137160" algn="l" defTabSz="548640" rtl="0" eaLnBrk="1" latinLnBrk="0" hangingPunct="1">
+      <a:lvl5pPr marL="2057400" indent="-228600" algn="l" defTabSz="914400" rtl="0" eaLnBrk="1" latinLnBrk="0" hangingPunct="1">
         <a:lnSpc>
           <a:spcPct val="90000"/>
         </a:lnSpc>
         <a:spcBef>
-          <a:spcPts val="300"/>
+          <a:spcPts val="500"/>
         </a:spcBef>
         <a:buFont typeface="Arial" panose="020B0604020202020204" pitchFamily="34" charset="0"/>
         <a:buChar char="•"/>
-        <a:defRPr sz="1080" kern="1200">
+        <a:defRPr sz="1800" kern="1200">
           <a:solidFill>
             <a:schemeClr val="tx1"/>
           </a:solidFill>
@@ -2777,16 +2782,16 @@
           <a:cs typeface="+mn-cs"/>
         </a:defRPr>
       </a:lvl5pPr>
-      <a:lvl6pPr marL="1508760" indent="-137160" algn="l" defTabSz="548640" rtl="0" eaLnBrk="1" latinLnBrk="0" hangingPunct="1">
+      <a:lvl6pPr marL="2514600" indent="-228600" algn="l" defTabSz="914400" rtl="0" eaLnBrk="1" latinLnBrk="0" hangingPunct="1">
         <a:lnSpc>
           <a:spcPct val="90000"/>
         </a:lnSpc>
         <a:spcBef>
-          <a:spcPts val="300"/>
+          <a:spcPts val="500"/>
         </a:spcBef>
         <a:buFont typeface="Arial" panose="020B0604020202020204" pitchFamily="34" charset="0"/>
         <a:buChar char="•"/>
-        <a:defRPr sz="1080" kern="1200">
+        <a:defRPr sz="1800" kern="1200">
           <a:solidFill>
             <a:schemeClr val="tx1"/>
           </a:solidFill>
@@ -2795,16 +2800,16 @@
           <a:cs typeface="+mn-cs"/>
         </a:defRPr>
       </a:lvl6pPr>
-      <a:lvl7pPr marL="1783080" indent="-137160" algn="l" defTabSz="548640" rtl="0" eaLnBrk="1" latinLnBrk="0" hangingPunct="1">
+      <a:lvl7pPr marL="2971800" indent="-228600" algn="l" defTabSz="914400" rtl="0" eaLnBrk="1" latinLnBrk="0" hangingPunct="1">
         <a:lnSpc>
           <a:spcPct val="90000"/>
         </a:lnSpc>
         <a:spcBef>
-          <a:spcPts val="300"/>
+          <a:spcPts val="500"/>
         </a:spcBef>
         <a:buFont typeface="Arial" panose="020B0604020202020204" pitchFamily="34" charset="0"/>
         <a:buChar char="•"/>
-        <a:defRPr sz="1080" kern="1200">
+        <a:defRPr sz="1800" kern="1200">
           <a:solidFill>
             <a:schemeClr val="tx1"/>
           </a:solidFill>
@@ -2813,16 +2818,16 @@
           <a:cs typeface="+mn-cs"/>
         </a:defRPr>
       </a:lvl7pPr>
-      <a:lvl8pPr marL="2057400" indent="-137160" algn="l" defTabSz="548640" rtl="0" eaLnBrk="1" latinLnBrk="0" hangingPunct="1">
+      <a:lvl8pPr marL="3429000" indent="-228600" algn="l" defTabSz="914400" rtl="0" eaLnBrk="1" latinLnBrk="0" hangingPunct="1">
         <a:lnSpc>
           <a:spcPct val="90000"/>
         </a:lnSpc>
         <a:spcBef>
-          <a:spcPts val="300"/>
+          <a:spcPts val="500"/>
         </a:spcBef>
         <a:buFont typeface="Arial" panose="020B0604020202020204" pitchFamily="34" charset="0"/>
         <a:buChar char="•"/>
-        <a:defRPr sz="1080" kern="1200">
+        <a:defRPr sz="1800" kern="1200">
           <a:solidFill>
             <a:schemeClr val="tx1"/>
           </a:solidFill>
@@ -2831,16 +2836,16 @@
           <a:cs typeface="+mn-cs"/>
         </a:defRPr>
       </a:lvl8pPr>
-      <a:lvl9pPr marL="2331720" indent="-137160" algn="l" defTabSz="548640" rtl="0" eaLnBrk="1" latinLnBrk="0" hangingPunct="1">
+      <a:lvl9pPr marL="3886200" indent="-228600" algn="l" defTabSz="914400" rtl="0" eaLnBrk="1" latinLnBrk="0" hangingPunct="1">
         <a:lnSpc>
           <a:spcPct val="90000"/>
         </a:lnSpc>
         <a:spcBef>
-          <a:spcPts val="300"/>
+          <a:spcPts val="500"/>
         </a:spcBef>
         <a:buFont typeface="Arial" panose="020B0604020202020204" pitchFamily="34" charset="0"/>
         <a:buChar char="•"/>
-        <a:defRPr sz="1080" kern="1200">
+        <a:defRPr sz="1800" kern="1200">
           <a:solidFill>
             <a:schemeClr val="tx1"/>
           </a:solidFill>
@@ -2854,8 +2859,8 @@
       <a:defPPr>
         <a:defRPr lang="en-US"/>
       </a:defPPr>
-      <a:lvl1pPr marL="0" algn="l" defTabSz="548640" rtl="0" eaLnBrk="1" latinLnBrk="0" hangingPunct="1">
-        <a:defRPr sz="1080" kern="1200">
+      <a:lvl1pPr marL="0" algn="l" defTabSz="914400" rtl="0" eaLnBrk="1" latinLnBrk="0" hangingPunct="1">
+        <a:defRPr sz="1800" kern="1200">
           <a:solidFill>
             <a:schemeClr val="tx1"/>
           </a:solidFill>
@@ -2864,8 +2869,8 @@
           <a:cs typeface="+mn-cs"/>
         </a:defRPr>
       </a:lvl1pPr>
-      <a:lvl2pPr marL="274320" algn="l" defTabSz="548640" rtl="0" eaLnBrk="1" latinLnBrk="0" hangingPunct="1">
-        <a:defRPr sz="1080" kern="1200">
+      <a:lvl2pPr marL="457200" algn="l" defTabSz="914400" rtl="0" eaLnBrk="1" latinLnBrk="0" hangingPunct="1">
+        <a:defRPr sz="1800" kern="1200">
           <a:solidFill>
             <a:schemeClr val="tx1"/>
           </a:solidFill>
@@ -2874,8 +2879,8 @@
           <a:cs typeface="+mn-cs"/>
         </a:defRPr>
       </a:lvl2pPr>
-      <a:lvl3pPr marL="548640" algn="l" defTabSz="548640" rtl="0" eaLnBrk="1" latinLnBrk="0" hangingPunct="1">
-        <a:defRPr sz="1080" kern="1200">
+      <a:lvl3pPr marL="914400" algn="l" defTabSz="914400" rtl="0" eaLnBrk="1" latinLnBrk="0" hangingPunct="1">
+        <a:defRPr sz="1800" kern="1200">
           <a:solidFill>
             <a:schemeClr val="tx1"/>
           </a:solidFill>
@@ -2884,8 +2889,8 @@
           <a:cs typeface="+mn-cs"/>
         </a:defRPr>
       </a:lvl3pPr>
-      <a:lvl4pPr marL="822960" algn="l" defTabSz="548640" rtl="0" eaLnBrk="1" latinLnBrk="0" hangingPunct="1">
-        <a:defRPr sz="1080" kern="1200">
+      <a:lvl4pPr marL="1371600" algn="l" defTabSz="914400" rtl="0" eaLnBrk="1" latinLnBrk="0" hangingPunct="1">
+        <a:defRPr sz="1800" kern="1200">
           <a:solidFill>
             <a:schemeClr val="tx1"/>
           </a:solidFill>
@@ -2894,8 +2899,8 @@
           <a:cs typeface="+mn-cs"/>
         </a:defRPr>
       </a:lvl4pPr>
-      <a:lvl5pPr marL="1097280" algn="l" defTabSz="548640" rtl="0" eaLnBrk="1" latinLnBrk="0" hangingPunct="1">
-        <a:defRPr sz="1080" kern="1200">
+      <a:lvl5pPr marL="1828800" algn="l" defTabSz="914400" rtl="0" eaLnBrk="1" latinLnBrk="0" hangingPunct="1">
+        <a:defRPr sz="1800" kern="1200">
           <a:solidFill>
             <a:schemeClr val="tx1"/>
           </a:solidFill>
@@ -2904,8 +2909,8 @@
           <a:cs typeface="+mn-cs"/>
         </a:defRPr>
       </a:lvl5pPr>
-      <a:lvl6pPr marL="1371600" algn="l" defTabSz="548640" rtl="0" eaLnBrk="1" latinLnBrk="0" hangingPunct="1">
-        <a:defRPr sz="1080" kern="1200">
+      <a:lvl6pPr marL="2286000" algn="l" defTabSz="914400" rtl="0" eaLnBrk="1" latinLnBrk="0" hangingPunct="1">
+        <a:defRPr sz="1800" kern="1200">
           <a:solidFill>
             <a:schemeClr val="tx1"/>
           </a:solidFill>
@@ -2914,8 +2919,8 @@
           <a:cs typeface="+mn-cs"/>
         </a:defRPr>
       </a:lvl6pPr>
-      <a:lvl7pPr marL="1645920" algn="l" defTabSz="548640" rtl="0" eaLnBrk="1" latinLnBrk="0" hangingPunct="1">
-        <a:defRPr sz="1080" kern="1200">
+      <a:lvl7pPr marL="2743200" algn="l" defTabSz="914400" rtl="0" eaLnBrk="1" latinLnBrk="0" hangingPunct="1">
+        <a:defRPr sz="1800" kern="1200">
           <a:solidFill>
             <a:schemeClr val="tx1"/>
           </a:solidFill>
@@ -2924,8 +2929,8 @@
           <a:cs typeface="+mn-cs"/>
         </a:defRPr>
       </a:lvl7pPr>
-      <a:lvl8pPr marL="1920240" algn="l" defTabSz="548640" rtl="0" eaLnBrk="1" latinLnBrk="0" hangingPunct="1">
-        <a:defRPr sz="1080" kern="1200">
+      <a:lvl8pPr marL="3200400" algn="l" defTabSz="914400" rtl="0" eaLnBrk="1" latinLnBrk="0" hangingPunct="1">
+        <a:defRPr sz="1800" kern="1200">
           <a:solidFill>
             <a:schemeClr val="tx1"/>
           </a:solidFill>
@@ -2934,8 +2939,8 @@
           <a:cs typeface="+mn-cs"/>
         </a:defRPr>
       </a:lvl8pPr>
-      <a:lvl9pPr marL="2194560" algn="l" defTabSz="548640" rtl="0" eaLnBrk="1" latinLnBrk="0" hangingPunct="1">
-        <a:defRPr sz="1080" kern="1200">
+      <a:lvl9pPr marL="3657600" algn="l" defTabSz="914400" rtl="0" eaLnBrk="1" latinLnBrk="0" hangingPunct="1">
+        <a:defRPr sz="1800" kern="1200">
           <a:solidFill>
             <a:schemeClr val="tx1"/>
           </a:solidFill>
@@ -2966,12 +2971,489 @@
           <a:chExt cx="0" cy="0"/>
         </a:xfrm>
       </p:grpSpPr>
-      <p:sp>
-        <p:nvSpPr>
-          <p:cNvPr id="50" name="Parallelogram 49">
+      <p:pic>
+        <p:nvPicPr>
+          <p:cNvPr id="11" name="Picture 10">
             <a:extLst>
               <a:ext uri="{FF2B5EF4-FFF2-40B4-BE49-F238E27FC236}">
-                <a16:creationId xmlns:a16="http://schemas.microsoft.com/office/drawing/2014/main" id="{758DC1F2-B34E-4CFA-BD15-925BA8D2B123}"/>
+                <a16:creationId xmlns:a16="http://schemas.microsoft.com/office/drawing/2014/main" id="{AB516E3E-C43B-73E9-9CA9-B3EAE92783DF}"/>
+              </a:ext>
+            </a:extLst>
+          </p:cNvPr>
+          <p:cNvPicPr>
+            <a:picLocks noChangeAspect="1"/>
+          </p:cNvPicPr>
+          <p:nvPr/>
+        </p:nvPicPr>
+        <p:blipFill>
+          <a:blip r:embed="rId2">
+            <a:extLst>
+              <a:ext uri="{28A0092B-C50C-407E-A947-70E740481C1C}">
+                <a14:useLocalDpi xmlns:a14="http://schemas.microsoft.com/office/drawing/2010/main" val="0"/>
+              </a:ext>
+            </a:extLst>
+          </a:blip>
+          <a:stretch>
+            <a:fillRect/>
+          </a:stretch>
+        </p:blipFill>
+        <p:spPr>
+          <a:xfrm>
+            <a:off x="0" y="4401448"/>
+            <a:ext cx="4987955" cy="3324080"/>
+          </a:xfrm>
+          <a:prstGeom prst="rect">
+            <a:avLst/>
+          </a:prstGeom>
+        </p:spPr>
+      </p:pic>
+      <p:pic>
+        <p:nvPicPr>
+          <p:cNvPr id="12" name="Picture 11">
+            <a:extLst>
+              <a:ext uri="{FF2B5EF4-FFF2-40B4-BE49-F238E27FC236}">
+                <a16:creationId xmlns:a16="http://schemas.microsoft.com/office/drawing/2014/main" id="{9C9A4178-8148-0680-FFAB-531D322789C0}"/>
+              </a:ext>
+            </a:extLst>
+          </p:cNvPr>
+          <p:cNvPicPr>
+            <a:picLocks noChangeAspect="1"/>
+          </p:cNvPicPr>
+          <p:nvPr/>
+        </p:nvPicPr>
+        <p:blipFill>
+          <a:blip r:embed="rId3">
+            <a:extLst>
+              <a:ext uri="{28A0092B-C50C-407E-A947-70E740481C1C}">
+                <a14:useLocalDpi xmlns:a14="http://schemas.microsoft.com/office/drawing/2010/main" val="0"/>
+              </a:ext>
+            </a:extLst>
+          </a:blip>
+          <a:stretch>
+            <a:fillRect/>
+          </a:stretch>
+        </p:blipFill>
+        <p:spPr>
+          <a:xfrm>
+            <a:off x="5117495" y="-499"/>
+            <a:ext cx="4026505" cy="3838281"/>
+          </a:xfrm>
+          <a:prstGeom prst="rect">
+            <a:avLst/>
+          </a:prstGeom>
+        </p:spPr>
+      </p:pic>
+      <p:sp>
+        <p:nvSpPr>
+          <p:cNvPr id="14" name="TextBox 13">
+            <a:extLst>
+              <a:ext uri="{FF2B5EF4-FFF2-40B4-BE49-F238E27FC236}">
+                <a16:creationId xmlns:a16="http://schemas.microsoft.com/office/drawing/2014/main" id="{499E49A7-9592-9844-231F-C1562A4743D7}"/>
+              </a:ext>
+            </a:extLst>
+          </p:cNvPr>
+          <p:cNvSpPr txBox="1"/>
+          <p:nvPr/>
+        </p:nvSpPr>
+        <p:spPr>
+          <a:xfrm>
+            <a:off x="0" y="3837782"/>
+            <a:ext cx="4987955" cy="369332"/>
+          </a:xfrm>
+          <a:prstGeom prst="rect">
+            <a:avLst/>
+          </a:prstGeom>
+          <a:noFill/>
+        </p:spPr>
+        <p:txBody>
+          <a:bodyPr wrap="square" rtlCol="0">
+            <a:spAutoFit/>
+          </a:bodyPr>
+          <a:lstStyle/>
+          <a:p>
+            <a:pPr algn="ctr"/>
+            <a:r>
+              <a:rPr lang="en-US" dirty="0">
+                <a:latin typeface="Arial" panose="020B0604020202020204" pitchFamily="34" charset="0"/>
+                <a:cs typeface="Arial" panose="020B0604020202020204" pitchFamily="34" charset="0"/>
+              </a:rPr>
+              <a:t>(A) Input STL Model of a Tall Box </a:t>
+            </a:r>
+          </a:p>
+        </p:txBody>
+      </p:sp>
+      <p:pic>
+        <p:nvPicPr>
+          <p:cNvPr id="16" name="Picture 15">
+            <a:extLst>
+              <a:ext uri="{FF2B5EF4-FFF2-40B4-BE49-F238E27FC236}">
+                <a16:creationId xmlns:a16="http://schemas.microsoft.com/office/drawing/2014/main" id="{73A3A7D0-07A3-1127-C8BF-8F3772AE91C3}"/>
+              </a:ext>
+            </a:extLst>
+          </p:cNvPr>
+          <p:cNvPicPr>
+            <a:picLocks noChangeAspect="1"/>
+          </p:cNvPicPr>
+          <p:nvPr/>
+        </p:nvPicPr>
+        <p:blipFill>
+          <a:blip r:embed="rId4">
+            <a:extLst>
+              <a:ext uri="{28A0092B-C50C-407E-A947-70E740481C1C}">
+                <a14:useLocalDpi xmlns:a14="http://schemas.microsoft.com/office/drawing/2010/main" val="0"/>
+              </a:ext>
+            </a:extLst>
+          </a:blip>
+          <a:stretch>
+            <a:fillRect/>
+          </a:stretch>
+        </p:blipFill>
+        <p:spPr>
+          <a:xfrm>
+            <a:off x="0" y="0"/>
+            <a:ext cx="4987955" cy="3837782"/>
+          </a:xfrm>
+          <a:prstGeom prst="rect">
+            <a:avLst/>
+          </a:prstGeom>
+        </p:spPr>
+      </p:pic>
+      <p:sp>
+        <p:nvSpPr>
+          <p:cNvPr id="17" name="TextBox 16">
+            <a:extLst>
+              <a:ext uri="{FF2B5EF4-FFF2-40B4-BE49-F238E27FC236}">
+                <a16:creationId xmlns:a16="http://schemas.microsoft.com/office/drawing/2014/main" id="{4F931495-AA5F-EC30-EAD9-F0C9055F88CA}"/>
+              </a:ext>
+            </a:extLst>
+          </p:cNvPr>
+          <p:cNvSpPr txBox="1"/>
+          <p:nvPr/>
+        </p:nvSpPr>
+        <p:spPr>
+          <a:xfrm>
+            <a:off x="5117495" y="3837782"/>
+            <a:ext cx="4026505" cy="646331"/>
+          </a:xfrm>
+          <a:prstGeom prst="rect">
+            <a:avLst/>
+          </a:prstGeom>
+          <a:noFill/>
+        </p:spPr>
+        <p:txBody>
+          <a:bodyPr wrap="square" rtlCol="0">
+            <a:spAutoFit/>
+          </a:bodyPr>
+          <a:lstStyle/>
+          <a:p>
+            <a:pPr algn="ctr"/>
+            <a:r>
+              <a:rPr lang="en-US" dirty="0">
+                <a:latin typeface="Arial" panose="020B0604020202020204" pitchFamily="34" charset="0"/>
+                <a:cs typeface="Arial" panose="020B0604020202020204" pitchFamily="34" charset="0"/>
+              </a:rPr>
+              <a:t>(B) Z-Chunking of Tall Box into Four Jobs</a:t>
+            </a:r>
+          </a:p>
+        </p:txBody>
+      </p:sp>
+      <p:sp>
+        <p:nvSpPr>
+          <p:cNvPr id="18" name="TextBox 17">
+            <a:extLst>
+              <a:ext uri="{FF2B5EF4-FFF2-40B4-BE49-F238E27FC236}">
+                <a16:creationId xmlns:a16="http://schemas.microsoft.com/office/drawing/2014/main" id="{4071CF01-3794-45B7-3769-F7A9FC43B836}"/>
+              </a:ext>
+            </a:extLst>
+          </p:cNvPr>
+          <p:cNvSpPr txBox="1"/>
+          <p:nvPr/>
+        </p:nvSpPr>
+        <p:spPr>
+          <a:xfrm>
+            <a:off x="-1" y="7725528"/>
+            <a:ext cx="4987955" cy="369332"/>
+          </a:xfrm>
+          <a:prstGeom prst="rect">
+            <a:avLst/>
+          </a:prstGeom>
+          <a:noFill/>
+        </p:spPr>
+        <p:txBody>
+          <a:bodyPr wrap="square" rtlCol="0">
+            <a:spAutoFit/>
+          </a:bodyPr>
+          <a:lstStyle/>
+          <a:p>
+            <a:pPr algn="ctr"/>
+            <a:r>
+              <a:rPr lang="en-US" dirty="0">
+                <a:latin typeface="Arial" panose="020B0604020202020204" pitchFamily="34" charset="0"/>
+                <a:cs typeface="Arial" panose="020B0604020202020204" pitchFamily="34" charset="0"/>
+              </a:rPr>
+              <a:t>(C) XY Chunking of One Job into Six Chunks</a:t>
+            </a:r>
+          </a:p>
+        </p:txBody>
+      </p:sp>
+      <p:sp>
+        <p:nvSpPr>
+          <p:cNvPr id="19" name="TextBox 18">
+            <a:extLst>
+              <a:ext uri="{FF2B5EF4-FFF2-40B4-BE49-F238E27FC236}">
+                <a16:creationId xmlns:a16="http://schemas.microsoft.com/office/drawing/2014/main" id="{37E6147E-E6BE-A756-E014-30D885A60A4F}"/>
+              </a:ext>
+            </a:extLst>
+          </p:cNvPr>
+          <p:cNvSpPr txBox="1"/>
+          <p:nvPr/>
+        </p:nvSpPr>
+        <p:spPr>
+          <a:xfrm>
+            <a:off x="129541" y="6792530"/>
+            <a:ext cx="1127760" cy="369332"/>
+          </a:xfrm>
+          <a:prstGeom prst="rect">
+            <a:avLst/>
+          </a:prstGeom>
+          <a:noFill/>
+        </p:spPr>
+        <p:txBody>
+          <a:bodyPr wrap="square" rtlCol="0">
+            <a:spAutoFit/>
+          </a:bodyPr>
+          <a:lstStyle/>
+          <a:p>
+            <a:pPr algn="ctr"/>
+            <a:r>
+              <a:rPr lang="en-US" dirty="0">
+                <a:solidFill>
+                  <a:schemeClr val="bg1"/>
+                </a:solidFill>
+                <a:latin typeface="Arial" panose="020B0604020202020204" pitchFamily="34" charset="0"/>
+                <a:cs typeface="Arial" panose="020B0604020202020204" pitchFamily="34" charset="0"/>
+              </a:rPr>
+              <a:t>Chunk 0</a:t>
+            </a:r>
+          </a:p>
+        </p:txBody>
+      </p:sp>
+      <p:sp>
+        <p:nvSpPr>
+          <p:cNvPr id="20" name="TextBox 19">
+            <a:extLst>
+              <a:ext uri="{FF2B5EF4-FFF2-40B4-BE49-F238E27FC236}">
+                <a16:creationId xmlns:a16="http://schemas.microsoft.com/office/drawing/2014/main" id="{E2B71B34-342B-1CDE-74C3-006C55AA62C7}"/>
+              </a:ext>
+            </a:extLst>
+          </p:cNvPr>
+          <p:cNvSpPr txBox="1"/>
+          <p:nvPr/>
+        </p:nvSpPr>
+        <p:spPr>
+          <a:xfrm>
+            <a:off x="129541" y="4861173"/>
+            <a:ext cx="1127760" cy="369332"/>
+          </a:xfrm>
+          <a:prstGeom prst="rect">
+            <a:avLst/>
+          </a:prstGeom>
+          <a:noFill/>
+        </p:spPr>
+        <p:txBody>
+          <a:bodyPr wrap="square" rtlCol="0">
+            <a:spAutoFit/>
+          </a:bodyPr>
+          <a:lstStyle/>
+          <a:p>
+            <a:pPr algn="ctr"/>
+            <a:r>
+              <a:rPr lang="en-US" dirty="0">
+                <a:solidFill>
+                  <a:schemeClr val="bg1"/>
+                </a:solidFill>
+                <a:latin typeface="Arial" panose="020B0604020202020204" pitchFamily="34" charset="0"/>
+                <a:cs typeface="Arial" panose="020B0604020202020204" pitchFamily="34" charset="0"/>
+              </a:rPr>
+              <a:t>Chunk 1</a:t>
+            </a:r>
+          </a:p>
+        </p:txBody>
+      </p:sp>
+      <p:sp>
+        <p:nvSpPr>
+          <p:cNvPr id="23" name="TextBox 22">
+            <a:extLst>
+              <a:ext uri="{FF2B5EF4-FFF2-40B4-BE49-F238E27FC236}">
+                <a16:creationId xmlns:a16="http://schemas.microsoft.com/office/drawing/2014/main" id="{76676E65-FCDF-B082-7B9B-F0AD06CD47BA}"/>
+              </a:ext>
+            </a:extLst>
+          </p:cNvPr>
+          <p:cNvSpPr txBox="1"/>
+          <p:nvPr/>
+        </p:nvSpPr>
+        <p:spPr>
+          <a:xfrm>
+            <a:off x="3779399" y="6944930"/>
+            <a:ext cx="1127760" cy="369332"/>
+          </a:xfrm>
+          <a:prstGeom prst="rect">
+            <a:avLst/>
+          </a:prstGeom>
+          <a:noFill/>
+        </p:spPr>
+        <p:txBody>
+          <a:bodyPr wrap="square" rtlCol="0">
+            <a:spAutoFit/>
+          </a:bodyPr>
+          <a:lstStyle/>
+          <a:p>
+            <a:pPr algn="ctr"/>
+            <a:r>
+              <a:rPr lang="en-US" dirty="0">
+                <a:solidFill>
+                  <a:schemeClr val="bg1"/>
+                </a:solidFill>
+                <a:latin typeface="Arial" panose="020B0604020202020204" pitchFamily="34" charset="0"/>
+                <a:cs typeface="Arial" panose="020B0604020202020204" pitchFamily="34" charset="0"/>
+              </a:rPr>
+              <a:t>Chunk 4</a:t>
+            </a:r>
+          </a:p>
+        </p:txBody>
+      </p:sp>
+      <p:sp>
+        <p:nvSpPr>
+          <p:cNvPr id="24" name="TextBox 23">
+            <a:extLst>
+              <a:ext uri="{FF2B5EF4-FFF2-40B4-BE49-F238E27FC236}">
+                <a16:creationId xmlns:a16="http://schemas.microsoft.com/office/drawing/2014/main" id="{C251FE79-639D-0D31-2DBB-73ADAF395C8E}"/>
+              </a:ext>
+            </a:extLst>
+          </p:cNvPr>
+          <p:cNvSpPr txBox="1"/>
+          <p:nvPr/>
+        </p:nvSpPr>
+        <p:spPr>
+          <a:xfrm>
+            <a:off x="1994868" y="4861173"/>
+            <a:ext cx="1127760" cy="369332"/>
+          </a:xfrm>
+          <a:prstGeom prst="rect">
+            <a:avLst/>
+          </a:prstGeom>
+          <a:noFill/>
+        </p:spPr>
+        <p:txBody>
+          <a:bodyPr wrap="square" rtlCol="0">
+            <a:spAutoFit/>
+          </a:bodyPr>
+          <a:lstStyle/>
+          <a:p>
+            <a:pPr algn="ctr"/>
+            <a:r>
+              <a:rPr lang="en-US" dirty="0">
+                <a:solidFill>
+                  <a:schemeClr val="bg1"/>
+                </a:solidFill>
+                <a:latin typeface="Arial" panose="020B0604020202020204" pitchFamily="34" charset="0"/>
+                <a:cs typeface="Arial" panose="020B0604020202020204" pitchFamily="34" charset="0"/>
+              </a:rPr>
+              <a:t>Chunk 3</a:t>
+            </a:r>
+          </a:p>
+        </p:txBody>
+      </p:sp>
+      <p:sp>
+        <p:nvSpPr>
+          <p:cNvPr id="25" name="TextBox 24">
+            <a:extLst>
+              <a:ext uri="{FF2B5EF4-FFF2-40B4-BE49-F238E27FC236}">
+                <a16:creationId xmlns:a16="http://schemas.microsoft.com/office/drawing/2014/main" id="{08476A99-6B69-ECAA-0EB9-8E96951D4F8F}"/>
+              </a:ext>
+            </a:extLst>
+          </p:cNvPr>
+          <p:cNvSpPr txBox="1"/>
+          <p:nvPr/>
+        </p:nvSpPr>
+        <p:spPr>
+          <a:xfrm>
+            <a:off x="2147268" y="6944930"/>
+            <a:ext cx="1127760" cy="369332"/>
+          </a:xfrm>
+          <a:prstGeom prst="rect">
+            <a:avLst/>
+          </a:prstGeom>
+          <a:noFill/>
+        </p:spPr>
+        <p:txBody>
+          <a:bodyPr wrap="square" rtlCol="0">
+            <a:spAutoFit/>
+          </a:bodyPr>
+          <a:lstStyle/>
+          <a:p>
+            <a:pPr algn="ctr"/>
+            <a:r>
+              <a:rPr lang="en-US" dirty="0">
+                <a:solidFill>
+                  <a:schemeClr val="bg1"/>
+                </a:solidFill>
+                <a:latin typeface="Arial" panose="020B0604020202020204" pitchFamily="34" charset="0"/>
+                <a:cs typeface="Arial" panose="020B0604020202020204" pitchFamily="34" charset="0"/>
+              </a:rPr>
+              <a:t>Chunk 2</a:t>
+            </a:r>
+          </a:p>
+        </p:txBody>
+      </p:sp>
+      <p:sp>
+        <p:nvSpPr>
+          <p:cNvPr id="26" name="TextBox 25">
+            <a:extLst>
+              <a:ext uri="{FF2B5EF4-FFF2-40B4-BE49-F238E27FC236}">
+                <a16:creationId xmlns:a16="http://schemas.microsoft.com/office/drawing/2014/main" id="{FD4DB64B-9472-A41F-D7E6-7CC4B295EFD9}"/>
+              </a:ext>
+            </a:extLst>
+          </p:cNvPr>
+          <p:cNvSpPr txBox="1"/>
+          <p:nvPr/>
+        </p:nvSpPr>
+        <p:spPr>
+          <a:xfrm>
+            <a:off x="3779399" y="4861173"/>
+            <a:ext cx="1127760" cy="369332"/>
+          </a:xfrm>
+          <a:prstGeom prst="rect">
+            <a:avLst/>
+          </a:prstGeom>
+          <a:noFill/>
+        </p:spPr>
+        <p:txBody>
+          <a:bodyPr wrap="square" rtlCol="0">
+            <a:spAutoFit/>
+          </a:bodyPr>
+          <a:lstStyle/>
+          <a:p>
+            <a:pPr algn="ctr"/>
+            <a:r>
+              <a:rPr lang="en-US" dirty="0">
+                <a:solidFill>
+                  <a:schemeClr val="bg1"/>
+                </a:solidFill>
+                <a:latin typeface="Arial" panose="020B0604020202020204" pitchFamily="34" charset="0"/>
+                <a:cs typeface="Arial" panose="020B0604020202020204" pitchFamily="34" charset="0"/>
+              </a:rPr>
+              <a:t>Chunk 5</a:t>
+            </a:r>
+          </a:p>
+        </p:txBody>
+      </p:sp>
+      <p:sp>
+        <p:nvSpPr>
+          <p:cNvPr id="27" name="Oval 26">
+            <a:extLst>
+              <a:ext uri="{FF2B5EF4-FFF2-40B4-BE49-F238E27FC236}">
+                <a16:creationId xmlns:a16="http://schemas.microsoft.com/office/drawing/2014/main" id="{6D32B471-1B4E-2F95-DA7F-B1A9DB2E1DB2}"/>
               </a:ext>
             </a:extLst>
           </p:cNvPr>
@@ -2980,17 +3462,12 @@
         </p:nvSpPr>
         <p:spPr>
           <a:xfrm>
-            <a:off x="129540" y="155666"/>
-            <a:ext cx="1432560" cy="518160"/>
-          </a:xfrm>
-          <a:prstGeom prst="parallelogram">
+            <a:off x="6011030" y="4484113"/>
+            <a:ext cx="861060" cy="861060"/>
+          </a:xfrm>
+          <a:prstGeom prst="ellipse">
             <a:avLst/>
           </a:prstGeom>
-          <a:solidFill>
-            <a:schemeClr val="accent2">
-              <a:lumMod val="75000"/>
-            </a:schemeClr>
-          </a:solidFill>
         </p:spPr>
         <p:style>
           <a:lnRef idx="2">
@@ -3009,34 +3486,23 @@
           </a:fontRef>
         </p:style>
         <p:txBody>
-          <a:bodyPr rot="0" spcFirstLastPara="0" vertOverflow="overflow" horzOverflow="overflow" vert="horz" wrap="square" lIns="91440" tIns="45720" rIns="91440" bIns="45720" numCol="1" spcCol="0" rtlCol="0" fromWordArt="0" anchor="ctr" anchorCtr="0" forceAA="0" compatLnSpc="1">
-            <a:prstTxWarp prst="textNoShape">
-              <a:avLst/>
-            </a:prstTxWarp>
-            <a:noAutofit/>
-          </a:bodyPr>
+          <a:bodyPr rtlCol="0" anchor="ctr"/>
           <a:lstStyle/>
           <a:p>
             <a:pPr algn="ctr"/>
             <a:r>
-              <a:rPr lang="en-US" dirty="0">
-                <a:solidFill>
-                  <a:schemeClr val="bg1"/>
-                </a:solidFill>
-                <a:latin typeface="Arial" panose="020B0604020202020204" pitchFamily="34" charset="0"/>
-                <a:cs typeface="Arial" panose="020B0604020202020204" pitchFamily="34" charset="0"/>
-              </a:rPr>
-              <a:t>STL File</a:t>
-            </a:r>
-          </a:p>
-        </p:txBody>
-      </p:sp>
-      <p:sp>
-        <p:nvSpPr>
-          <p:cNvPr id="51" name="Parallelogram 50">
+              <a:rPr lang="en-US" sz="2000" dirty="0"/>
+              <a:t>0</a:t>
+            </a:r>
+          </a:p>
+        </p:txBody>
+      </p:sp>
+      <p:sp>
+        <p:nvSpPr>
+          <p:cNvPr id="29" name="Oval 28">
             <a:extLst>
               <a:ext uri="{FF2B5EF4-FFF2-40B4-BE49-F238E27FC236}">
-                <a16:creationId xmlns:a16="http://schemas.microsoft.com/office/drawing/2014/main" id="{9CCD3A48-6A3B-4D42-B062-9A0E78E019FB}"/>
+                <a16:creationId xmlns:a16="http://schemas.microsoft.com/office/drawing/2014/main" id="{C0F557E5-9CC8-26E1-FB5D-8B8F2130D004}"/>
               </a:ext>
             </a:extLst>
           </p:cNvPr>
@@ -3045,17 +3511,12 @@
         </p:nvSpPr>
         <p:spPr>
           <a:xfrm>
-            <a:off x="129540" y="5581106"/>
-            <a:ext cx="1432560" cy="518160"/>
-          </a:xfrm>
-          <a:prstGeom prst="parallelogram">
+            <a:off x="7380815" y="4484113"/>
+            <a:ext cx="861060" cy="861060"/>
+          </a:xfrm>
+          <a:prstGeom prst="ellipse">
             <a:avLst/>
           </a:prstGeom>
-          <a:solidFill>
-            <a:schemeClr val="accent2">
-              <a:lumMod val="75000"/>
-            </a:schemeClr>
-          </a:solidFill>
         </p:spPr>
         <p:style>
           <a:lnRef idx="2">
@@ -3074,34 +3535,23 @@
           </a:fontRef>
         </p:style>
         <p:txBody>
-          <a:bodyPr rot="0" spcFirstLastPara="0" vertOverflow="overflow" horzOverflow="overflow" vert="horz" wrap="square" lIns="91440" tIns="45720" rIns="91440" bIns="45720" numCol="1" spcCol="0" rtlCol="0" fromWordArt="0" anchor="ctr" anchorCtr="0" forceAA="0" compatLnSpc="1">
-            <a:prstTxWarp prst="textNoShape">
-              <a:avLst/>
-            </a:prstTxWarp>
-            <a:noAutofit/>
-          </a:bodyPr>
+          <a:bodyPr rtlCol="0" anchor="ctr"/>
           <a:lstStyle/>
           <a:p>
             <a:pPr algn="ctr"/>
             <a:r>
-              <a:rPr lang="en-US" sz="1100" dirty="0">
-                <a:solidFill>
-                  <a:schemeClr val="bg1"/>
-                </a:solidFill>
-                <a:latin typeface="Arial" panose="020B0604020202020204" pitchFamily="34" charset="0"/>
-                <a:cs typeface="Arial" panose="020B0604020202020204" pitchFamily="34" charset="0"/>
-              </a:rPr>
-              <a:t>Printing Using Multiple Robots</a:t>
-            </a:r>
-          </a:p>
-        </p:txBody>
-      </p:sp>
-      <p:sp>
-        <p:nvSpPr>
-          <p:cNvPr id="52" name="Rectangle 51">
+              <a:rPr lang="en-US" sz="2000" dirty="0"/>
+              <a:t>1</a:t>
+            </a:r>
+          </a:p>
+        </p:txBody>
+      </p:sp>
+      <p:sp>
+        <p:nvSpPr>
+          <p:cNvPr id="34" name="Oval 33">
             <a:extLst>
               <a:ext uri="{FF2B5EF4-FFF2-40B4-BE49-F238E27FC236}">
-                <a16:creationId xmlns:a16="http://schemas.microsoft.com/office/drawing/2014/main" id="{42FA961B-FEF6-4002-87D5-AF0C4209CE42}"/>
+                <a16:creationId xmlns:a16="http://schemas.microsoft.com/office/drawing/2014/main" id="{370D47FB-2D8F-76E2-D71E-E5EFE8463F09}"/>
               </a:ext>
             </a:extLst>
           </p:cNvPr>
@@ -3110,59 +3560,47 @@
         </p:nvSpPr>
         <p:spPr>
           <a:xfrm>
-            <a:off x="3931920" y="878941"/>
-            <a:ext cx="1432560" cy="403860"/>
-          </a:xfrm>
-          <a:prstGeom prst="rect">
+            <a:off x="6011030" y="5573773"/>
+            <a:ext cx="861060" cy="861060"/>
+          </a:xfrm>
+          <a:prstGeom prst="ellipse">
             <a:avLst/>
           </a:prstGeom>
         </p:spPr>
         <p:style>
           <a:lnRef idx="2">
-            <a:schemeClr val="accent3">
+            <a:schemeClr val="accent2">
               <a:shade val="50000"/>
             </a:schemeClr>
           </a:lnRef>
           <a:fillRef idx="1">
-            <a:schemeClr val="accent3"/>
+            <a:schemeClr val="accent2"/>
           </a:fillRef>
           <a:effectRef idx="0">
-            <a:schemeClr val="accent3"/>
+            <a:schemeClr val="accent2"/>
           </a:effectRef>
           <a:fontRef idx="minor">
             <a:schemeClr val="lt1"/>
           </a:fontRef>
         </p:style>
         <p:txBody>
-          <a:bodyPr rot="0" spcFirstLastPara="0" vertOverflow="overflow" horzOverflow="overflow" vert="horz" wrap="square" lIns="91440" tIns="45720" rIns="91440" bIns="45720" numCol="1" spcCol="0" rtlCol="0" fromWordArt="0" anchor="ctr" anchorCtr="0" forceAA="0" compatLnSpc="1">
-            <a:prstTxWarp prst="textNoShape">
-              <a:avLst/>
-            </a:prstTxWarp>
-            <a:noAutofit/>
-          </a:bodyPr>
+          <a:bodyPr rtlCol="0" anchor="ctr"/>
           <a:lstStyle/>
           <a:p>
             <a:pPr algn="ctr"/>
             <a:r>
-              <a:rPr lang="en-US" sz="1400" dirty="0">
-                <a:latin typeface="Arial" panose="020B0604020202020204" pitchFamily="34" charset="0"/>
-                <a:cs typeface="Arial" panose="020B0604020202020204" pitchFamily="34" charset="0"/>
-              </a:rPr>
-              <a:t>Chunking</a:t>
-            </a:r>
-            <a:endParaRPr lang="en-US" dirty="0">
-              <a:latin typeface="Arial" panose="020B0604020202020204" pitchFamily="34" charset="0"/>
-              <a:cs typeface="Arial" panose="020B0604020202020204" pitchFamily="34" charset="0"/>
-            </a:endParaRPr>
-          </a:p>
-        </p:txBody>
-      </p:sp>
-      <p:sp>
-        <p:nvSpPr>
-          <p:cNvPr id="53" name="Rectangle 52">
+              <a:rPr lang="en-US" sz="2000" dirty="0"/>
+              <a:t>2</a:t>
+            </a:r>
+          </a:p>
+        </p:txBody>
+      </p:sp>
+      <p:sp>
+        <p:nvSpPr>
+          <p:cNvPr id="35" name="Oval 34">
             <a:extLst>
               <a:ext uri="{FF2B5EF4-FFF2-40B4-BE49-F238E27FC236}">
-                <a16:creationId xmlns:a16="http://schemas.microsoft.com/office/drawing/2014/main" id="{B1479D50-02FA-4305-98A8-C8DF15329F50}"/>
+                <a16:creationId xmlns:a16="http://schemas.microsoft.com/office/drawing/2014/main" id="{3432F1B7-FAC8-5AE3-222E-71AFD81ED70F}"/>
               </a:ext>
             </a:extLst>
           </p:cNvPr>
@@ -3171,58 +3609,47 @@
         </p:nvSpPr>
         <p:spPr>
           <a:xfrm>
-            <a:off x="3931920" y="1886685"/>
-            <a:ext cx="1432560" cy="403860"/>
-          </a:xfrm>
-          <a:prstGeom prst="rect">
+            <a:off x="7380815" y="5573773"/>
+            <a:ext cx="861060" cy="861060"/>
+          </a:xfrm>
+          <a:prstGeom prst="ellipse">
             <a:avLst/>
           </a:prstGeom>
-          <a:solidFill>
-            <a:srgbClr val="C00000"/>
-          </a:solidFill>
         </p:spPr>
         <p:style>
           <a:lnRef idx="2">
-            <a:schemeClr val="accent3">
+            <a:schemeClr val="accent2">
               <a:shade val="50000"/>
             </a:schemeClr>
           </a:lnRef>
           <a:fillRef idx="1">
-            <a:schemeClr val="accent3"/>
+            <a:schemeClr val="accent2"/>
           </a:fillRef>
           <a:effectRef idx="0">
-            <a:schemeClr val="accent3"/>
+            <a:schemeClr val="accent2"/>
           </a:effectRef>
           <a:fontRef idx="minor">
             <a:schemeClr val="lt1"/>
           </a:fontRef>
         </p:style>
         <p:txBody>
-          <a:bodyPr rot="0" spcFirstLastPara="0" vertOverflow="overflow" horzOverflow="overflow" vert="horz" wrap="square" lIns="91440" tIns="45720" rIns="91440" bIns="45720" numCol="1" spcCol="0" rtlCol="0" fromWordArt="0" anchor="ctr" anchorCtr="0" forceAA="0" compatLnSpc="1">
-            <a:prstTxWarp prst="textNoShape">
-              <a:avLst/>
-            </a:prstTxWarp>
-            <a:noAutofit/>
-          </a:bodyPr>
+          <a:bodyPr rtlCol="0" anchor="ctr"/>
           <a:lstStyle/>
           <a:p>
             <a:pPr algn="ctr"/>
             <a:r>
-              <a:rPr lang="en-US" dirty="0">
-                <a:latin typeface="Arial" panose="020B0604020202020204" pitchFamily="34" charset="0"/>
-                <a:cs typeface="Arial" panose="020B0604020202020204" pitchFamily="34" charset="0"/>
-              </a:rPr>
-              <a:t>Placing</a:t>
-            </a:r>
-          </a:p>
-        </p:txBody>
-      </p:sp>
-      <p:sp>
-        <p:nvSpPr>
-          <p:cNvPr id="54" name="Rectangle 53">
+              <a:rPr lang="en-US" sz="2000" dirty="0"/>
+              <a:t>3</a:t>
+            </a:r>
+          </a:p>
+        </p:txBody>
+      </p:sp>
+      <p:sp>
+        <p:nvSpPr>
+          <p:cNvPr id="36" name="Oval 35">
             <a:extLst>
               <a:ext uri="{FF2B5EF4-FFF2-40B4-BE49-F238E27FC236}">
-                <a16:creationId xmlns:a16="http://schemas.microsoft.com/office/drawing/2014/main" id="{7A0EC9ED-9D23-44D2-ACDA-C3B8580536AA}"/>
+                <a16:creationId xmlns:a16="http://schemas.microsoft.com/office/drawing/2014/main" id="{B4BA3E75-2C0F-D7A5-3723-3499490C984C}"/>
               </a:ext>
             </a:extLst>
           </p:cNvPr>
@@ -3231,59 +3658,47 @@
         </p:nvSpPr>
         <p:spPr>
           <a:xfrm>
-            <a:off x="3931920" y="2894429"/>
-            <a:ext cx="1432560" cy="403860"/>
-          </a:xfrm>
-          <a:prstGeom prst="rect">
+            <a:off x="6011030" y="6663433"/>
+            <a:ext cx="861060" cy="861060"/>
+          </a:xfrm>
+          <a:prstGeom prst="ellipse">
             <a:avLst/>
           </a:prstGeom>
         </p:spPr>
         <p:style>
           <a:lnRef idx="2">
-            <a:schemeClr val="accent3">
+            <a:schemeClr val="accent2">
               <a:shade val="50000"/>
             </a:schemeClr>
           </a:lnRef>
           <a:fillRef idx="1">
-            <a:schemeClr val="accent3"/>
+            <a:schemeClr val="accent2"/>
           </a:fillRef>
           <a:effectRef idx="0">
-            <a:schemeClr val="accent3"/>
+            <a:schemeClr val="accent2"/>
           </a:effectRef>
           <a:fontRef idx="minor">
             <a:schemeClr val="lt1"/>
           </a:fontRef>
         </p:style>
         <p:txBody>
-          <a:bodyPr rot="0" spcFirstLastPara="0" vertOverflow="overflow" horzOverflow="overflow" vert="horz" wrap="square" lIns="91440" tIns="45720" rIns="91440" bIns="45720" numCol="1" spcCol="0" rtlCol="0" fromWordArt="0" anchor="ctr" anchorCtr="0" forceAA="0" compatLnSpc="1">
-            <a:prstTxWarp prst="textNoShape">
-              <a:avLst/>
-            </a:prstTxWarp>
-            <a:noAutofit/>
-          </a:bodyPr>
+          <a:bodyPr rtlCol="0" anchor="ctr"/>
           <a:lstStyle/>
           <a:p>
             <a:pPr algn="ctr"/>
             <a:r>
-              <a:rPr lang="en-US" sz="1400" dirty="0">
-                <a:latin typeface="Arial" panose="020B0604020202020204" pitchFamily="34" charset="0"/>
-                <a:cs typeface="Arial" panose="020B0604020202020204" pitchFamily="34" charset="0"/>
-              </a:rPr>
-              <a:t>Scheduling</a:t>
-            </a:r>
-            <a:endParaRPr lang="en-US" dirty="0">
-              <a:latin typeface="Arial" panose="020B0604020202020204" pitchFamily="34" charset="0"/>
-              <a:cs typeface="Arial" panose="020B0604020202020204" pitchFamily="34" charset="0"/>
-            </a:endParaRPr>
-          </a:p>
-        </p:txBody>
-      </p:sp>
-      <p:sp>
-        <p:nvSpPr>
-          <p:cNvPr id="55" name="Rectangle 54">
+              <a:rPr lang="en-US" sz="2000" dirty="0"/>
+              <a:t>4</a:t>
+            </a:r>
+          </a:p>
+        </p:txBody>
+      </p:sp>
+      <p:sp>
+        <p:nvSpPr>
+          <p:cNvPr id="37" name="Oval 36">
             <a:extLst>
               <a:ext uri="{FF2B5EF4-FFF2-40B4-BE49-F238E27FC236}">
-                <a16:creationId xmlns:a16="http://schemas.microsoft.com/office/drawing/2014/main" id="{0718B160-34E7-40F9-8258-991ADDB142B9}"/>
+                <a16:creationId xmlns:a16="http://schemas.microsoft.com/office/drawing/2014/main" id="{A14DFD91-A8D1-F4AC-1C7C-93F548F71B4F}"/>
               </a:ext>
             </a:extLst>
           </p:cNvPr>
@@ -3292,132 +3707,106 @@
         </p:nvSpPr>
         <p:spPr>
           <a:xfrm>
-            <a:off x="3931920" y="3902173"/>
-            <a:ext cx="1432560" cy="403860"/>
-          </a:xfrm>
-          <a:prstGeom prst="rect">
+            <a:off x="7380815" y="6663433"/>
+            <a:ext cx="861060" cy="861060"/>
+          </a:xfrm>
+          <a:prstGeom prst="ellipse">
             <a:avLst/>
           </a:prstGeom>
         </p:spPr>
         <p:style>
           <a:lnRef idx="2">
-            <a:schemeClr val="accent3">
+            <a:schemeClr val="accent2">
               <a:shade val="50000"/>
             </a:schemeClr>
           </a:lnRef>
           <a:fillRef idx="1">
-            <a:schemeClr val="accent3"/>
+            <a:schemeClr val="accent2"/>
           </a:fillRef>
           <a:effectRef idx="0">
-            <a:schemeClr val="accent3"/>
+            <a:schemeClr val="accent2"/>
           </a:effectRef>
           <a:fontRef idx="minor">
             <a:schemeClr val="lt1"/>
           </a:fontRef>
         </p:style>
         <p:txBody>
-          <a:bodyPr rot="0" spcFirstLastPara="0" vertOverflow="overflow" horzOverflow="overflow" vert="horz" wrap="square" lIns="91440" tIns="45720" rIns="91440" bIns="45720" numCol="1" spcCol="0" rtlCol="0" fromWordArt="0" anchor="ctr" anchorCtr="0" forceAA="0" compatLnSpc="1">
-            <a:prstTxWarp prst="textNoShape">
-              <a:avLst/>
-            </a:prstTxWarp>
-            <a:noAutofit/>
+          <a:bodyPr rtlCol="0" anchor="ctr"/>
+          <a:lstStyle/>
+          <a:p>
+            <a:pPr algn="ctr"/>
+            <a:r>
+              <a:rPr lang="en-US" sz="2000" dirty="0"/>
+              <a:t>5</a:t>
+            </a:r>
+          </a:p>
+        </p:txBody>
+      </p:sp>
+      <p:sp>
+        <p:nvSpPr>
+          <p:cNvPr id="38" name="TextBox 37">
+            <a:extLst>
+              <a:ext uri="{FF2B5EF4-FFF2-40B4-BE49-F238E27FC236}">
+                <a16:creationId xmlns:a16="http://schemas.microsoft.com/office/drawing/2014/main" id="{EFDD1E12-7038-7CD3-BFB3-105A30FE1EE0}"/>
+              </a:ext>
+            </a:extLst>
+          </p:cNvPr>
+          <p:cNvSpPr txBox="1"/>
+          <p:nvPr/>
+        </p:nvSpPr>
+        <p:spPr>
+          <a:xfrm>
+            <a:off x="5343857" y="7587028"/>
+            <a:ext cx="3573780" cy="369332"/>
+          </a:xfrm>
+          <a:prstGeom prst="rect">
+            <a:avLst/>
+          </a:prstGeom>
+          <a:noFill/>
+        </p:spPr>
+        <p:txBody>
+          <a:bodyPr wrap="square" rtlCol="0">
+            <a:spAutoFit/>
           </a:bodyPr>
           <a:lstStyle/>
           <a:p>
             <a:pPr algn="ctr"/>
             <a:r>
-              <a:rPr lang="en-US" sz="1400" dirty="0">
+              <a:rPr lang="en-US" dirty="0">
                 <a:latin typeface="Arial" panose="020B0604020202020204" pitchFamily="34" charset="0"/>
                 <a:cs typeface="Arial" panose="020B0604020202020204" pitchFamily="34" charset="0"/>
               </a:rPr>
-              <a:t>Path Planning</a:t>
-            </a:r>
-          </a:p>
-        </p:txBody>
-      </p:sp>
-      <p:sp>
-        <p:nvSpPr>
-          <p:cNvPr id="56" name="Rectangle 55">
+              <a:t>(D) Chunk Dependency Tree</a:t>
+            </a:r>
+          </a:p>
+        </p:txBody>
+      </p:sp>
+      <p:cxnSp>
+        <p:nvCxnSpPr>
+          <p:cNvPr id="40" name="Straight Arrow Connector 39">
             <a:extLst>
               <a:ext uri="{FF2B5EF4-FFF2-40B4-BE49-F238E27FC236}">
-                <a16:creationId xmlns:a16="http://schemas.microsoft.com/office/drawing/2014/main" id="{C3B8D9A4-173E-4DF8-8123-5E80F5E317B5}"/>
-              </a:ext>
-            </a:extLst>
-          </p:cNvPr>
-          <p:cNvSpPr/>
-          <p:nvPr/>
-        </p:nvSpPr>
-        <p:spPr>
-          <a:xfrm>
-            <a:off x="3931920" y="4909917"/>
-            <a:ext cx="1432560" cy="403860"/>
-          </a:xfrm>
-          <a:prstGeom prst="rect">
-            <a:avLst/>
-          </a:prstGeom>
-        </p:spPr>
-        <p:style>
-          <a:lnRef idx="2">
-            <a:schemeClr val="accent3">
-              <a:shade val="50000"/>
-            </a:schemeClr>
-          </a:lnRef>
-          <a:fillRef idx="1">
-            <a:schemeClr val="accent3"/>
-          </a:fillRef>
-          <a:effectRef idx="0">
-            <a:schemeClr val="accent3"/>
-          </a:effectRef>
-          <a:fontRef idx="minor">
-            <a:schemeClr val="lt1"/>
-          </a:fontRef>
-        </p:style>
-        <p:txBody>
-          <a:bodyPr rot="0" spcFirstLastPara="0" vertOverflow="overflow" horzOverflow="overflow" vert="horz" wrap="square" lIns="91440" tIns="45720" rIns="91440" bIns="45720" numCol="1" spcCol="0" rtlCol="0" fromWordArt="0" anchor="ctr" anchorCtr="0" forceAA="0" compatLnSpc="1">
-            <a:prstTxWarp prst="textNoShape">
-              <a:avLst/>
-            </a:prstTxWarp>
-            <a:noAutofit/>
-          </a:bodyPr>
-          <a:lstStyle/>
-          <a:p>
-            <a:pPr algn="ctr"/>
-            <a:r>
-              <a:rPr lang="en-US" sz="1400" dirty="0">
-                <a:latin typeface="Arial" panose="020B0604020202020204" pitchFamily="34" charset="0"/>
-                <a:cs typeface="Arial" panose="020B0604020202020204" pitchFamily="34" charset="0"/>
-              </a:rPr>
-              <a:t>Slicing</a:t>
-            </a:r>
-          </a:p>
-        </p:txBody>
-      </p:sp>
-      <p:cxnSp>
-        <p:nvCxnSpPr>
-          <p:cNvPr id="57" name="Straight Arrow Connector 56">
-            <a:extLst>
-              <a:ext uri="{FF2B5EF4-FFF2-40B4-BE49-F238E27FC236}">
-                <a16:creationId xmlns:a16="http://schemas.microsoft.com/office/drawing/2014/main" id="{E0DF6410-5FF1-418D-B464-D75F9C8D9DE2}"/>
+                <a16:creationId xmlns:a16="http://schemas.microsoft.com/office/drawing/2014/main" id="{1F68274D-003D-0975-5C6D-24630875AB75}"/>
               </a:ext>
             </a:extLst>
           </p:cNvPr>
           <p:cNvCxnSpPr>
-            <a:stCxn id="52" idx="2"/>
-            <a:endCxn id="53" idx="0"/>
+            <a:cxnSpLocks/>
+            <a:stCxn id="34" idx="0"/>
+            <a:endCxn id="27" idx="4"/>
           </p:cNvCxnSpPr>
           <p:nvPr/>
         </p:nvCxnSpPr>
         <p:spPr>
-          <a:xfrm>
-            <a:off x="4648200" y="1282801"/>
-            <a:ext cx="0" cy="603884"/>
+          <a:xfrm flipV="1">
+            <a:off x="6441560" y="5345173"/>
+            <a:ext cx="0" cy="228600"/>
           </a:xfrm>
           <a:prstGeom prst="straightConnector1">
             <a:avLst/>
           </a:prstGeom>
-          <a:ln>
-            <a:headEnd type="triangle" w="med" len="med"/>
-            <a:tailEnd type="triangle" w="med" len="med"/>
+          <a:ln w="38100">
+            <a:tailEnd type="triangle"/>
           </a:ln>
         </p:spPr>
         <p:style>
@@ -3437,30 +3826,30 @@
       </p:cxnSp>
       <p:cxnSp>
         <p:nvCxnSpPr>
-          <p:cNvPr id="58" name="Straight Arrow Connector 57">
+          <p:cNvPr id="42" name="Straight Arrow Connector 41">
             <a:extLst>
               <a:ext uri="{FF2B5EF4-FFF2-40B4-BE49-F238E27FC236}">
-                <a16:creationId xmlns:a16="http://schemas.microsoft.com/office/drawing/2014/main" id="{D5B3851D-054D-43E9-9421-A2FC59559F79}"/>
+                <a16:creationId xmlns:a16="http://schemas.microsoft.com/office/drawing/2014/main" id="{837A82F1-5A4D-B259-2C31-14512BD0E6C6}"/>
               </a:ext>
             </a:extLst>
           </p:cNvPr>
           <p:cNvCxnSpPr>
-            <a:stCxn id="53" idx="2"/>
-            <a:endCxn id="54" idx="0"/>
+            <a:cxnSpLocks/>
+            <a:stCxn id="36" idx="0"/>
+            <a:endCxn id="34" idx="4"/>
           </p:cNvCxnSpPr>
           <p:nvPr/>
         </p:nvCxnSpPr>
         <p:spPr>
-          <a:xfrm>
-            <a:off x="4648200" y="2290545"/>
-            <a:ext cx="0" cy="603884"/>
+          <a:xfrm flipV="1">
+            <a:off x="6441560" y="6434833"/>
+            <a:ext cx="0" cy="228600"/>
           </a:xfrm>
           <a:prstGeom prst="straightConnector1">
             <a:avLst/>
           </a:prstGeom>
-          <a:ln>
-            <a:headEnd type="triangle" w="med" len="med"/>
-            <a:tailEnd type="triangle" w="med" len="med"/>
+          <a:ln w="38100">
+            <a:tailEnd type="triangle"/>
           </a:ln>
         </p:spPr>
         <p:style>
@@ -3480,31 +3869,30 @@
       </p:cxnSp>
       <p:cxnSp>
         <p:nvCxnSpPr>
-          <p:cNvPr id="59" name="Straight Arrow Connector 58">
+          <p:cNvPr id="45" name="Straight Arrow Connector 44">
             <a:extLst>
               <a:ext uri="{FF2B5EF4-FFF2-40B4-BE49-F238E27FC236}">
-                <a16:creationId xmlns:a16="http://schemas.microsoft.com/office/drawing/2014/main" id="{5970AD3C-6FAD-4A45-8EDD-AC2CA4980538}"/>
+                <a16:creationId xmlns:a16="http://schemas.microsoft.com/office/drawing/2014/main" id="{7F026E1A-9A52-12C5-5A77-223543D6EDC9}"/>
               </a:ext>
             </a:extLst>
           </p:cNvPr>
           <p:cNvCxnSpPr>
             <a:cxnSpLocks/>
-            <a:stCxn id="54" idx="2"/>
-            <a:endCxn id="55" idx="0"/>
+            <a:stCxn id="35" idx="0"/>
+            <a:endCxn id="29" idx="4"/>
           </p:cNvCxnSpPr>
           <p:nvPr/>
         </p:nvCxnSpPr>
         <p:spPr>
-          <a:xfrm>
-            <a:off x="4648200" y="3298289"/>
-            <a:ext cx="0" cy="603884"/>
+          <a:xfrm flipV="1">
+            <a:off x="7811345" y="5345173"/>
+            <a:ext cx="0" cy="228600"/>
           </a:xfrm>
           <a:prstGeom prst="straightConnector1">
             <a:avLst/>
           </a:prstGeom>
-          <a:ln>
-            <a:headEnd type="triangle" w="med" len="med"/>
-            <a:tailEnd type="triangle" w="med" len="med"/>
+          <a:ln w="38100">
+            <a:tailEnd type="triangle"/>
           </a:ln>
         </p:spPr>
         <p:style>
@@ -3524,31 +3912,30 @@
       </p:cxnSp>
       <p:cxnSp>
         <p:nvCxnSpPr>
-          <p:cNvPr id="60" name="Straight Arrow Connector 59">
+          <p:cNvPr id="48" name="Straight Arrow Connector 47">
             <a:extLst>
               <a:ext uri="{FF2B5EF4-FFF2-40B4-BE49-F238E27FC236}">
-                <a16:creationId xmlns:a16="http://schemas.microsoft.com/office/drawing/2014/main" id="{10077C3E-8AA0-45F2-9F4F-A1EE96D3C436}"/>
+                <a16:creationId xmlns:a16="http://schemas.microsoft.com/office/drawing/2014/main" id="{730399C3-3E82-9DCF-B88C-9BAD817A8CF2}"/>
               </a:ext>
             </a:extLst>
           </p:cNvPr>
           <p:cNvCxnSpPr>
             <a:cxnSpLocks/>
-            <a:stCxn id="55" idx="2"/>
-            <a:endCxn id="56" idx="0"/>
+            <a:stCxn id="37" idx="0"/>
+            <a:endCxn id="35" idx="4"/>
           </p:cNvCxnSpPr>
           <p:nvPr/>
         </p:nvCxnSpPr>
         <p:spPr>
-          <a:xfrm>
-            <a:off x="4648200" y="4306033"/>
-            <a:ext cx="0" cy="603884"/>
+          <a:xfrm flipV="1">
+            <a:off x="7811345" y="6434833"/>
+            <a:ext cx="0" cy="228600"/>
           </a:xfrm>
           <a:prstGeom prst="straightConnector1">
             <a:avLst/>
           </a:prstGeom>
-          <a:ln>
-            <a:headEnd type="none" w="med" len="med"/>
-            <a:tailEnd type="triangle" w="med" len="med"/>
+          <a:ln w="38100">
+            <a:tailEnd type="triangle"/>
           </a:ln>
         </p:spPr>
         <p:style>
@@ -3568,111 +3955,29 @@
       </p:cxnSp>
       <p:cxnSp>
         <p:nvCxnSpPr>
-          <p:cNvPr id="61" name="Straight Arrow Connector 60">
+          <p:cNvPr id="51" name="Straight Arrow Connector 50">
             <a:extLst>
               <a:ext uri="{FF2B5EF4-FFF2-40B4-BE49-F238E27FC236}">
-                <a16:creationId xmlns:a16="http://schemas.microsoft.com/office/drawing/2014/main" id="{3117A377-35DE-4B51-8261-709138F7D7B6}"/>
+                <a16:creationId xmlns:a16="http://schemas.microsoft.com/office/drawing/2014/main" id="{EE47F457-80EA-1161-91C8-2CA0568B69D7}"/>
               </a:ext>
             </a:extLst>
           </p:cNvPr>
           <p:cNvCxnSpPr>
             <a:cxnSpLocks/>
-            <a:stCxn id="50" idx="4"/>
-            <a:endCxn id="51" idx="0"/>
+            <a:stCxn id="29" idx="2"/>
+            <a:endCxn id="27" idx="6"/>
           </p:cNvCxnSpPr>
           <p:nvPr/>
         </p:nvCxnSpPr>
         <p:spPr>
-          <a:xfrm>
-            <a:off x="845820" y="673826"/>
-            <a:ext cx="0" cy="4907280"/>
+          <a:xfrm flipH="1">
+            <a:off x="6872090" y="4914643"/>
+            <a:ext cx="508725" cy="0"/>
           </a:xfrm>
           <a:prstGeom prst="straightConnector1">
             <a:avLst/>
           </a:prstGeom>
-          <a:ln>
-            <a:headEnd type="none" w="med" len="med"/>
-            <a:tailEnd type="triangle" w="med" len="med"/>
-          </a:ln>
-        </p:spPr>
-        <p:style>
-          <a:lnRef idx="1">
-            <a:schemeClr val="dk1"/>
-          </a:lnRef>
-          <a:fillRef idx="0">
-            <a:schemeClr val="dk1"/>
-          </a:fillRef>
-          <a:effectRef idx="0">
-            <a:schemeClr val="dk1"/>
-          </a:effectRef>
-          <a:fontRef idx="minor">
-            <a:schemeClr val="tx1"/>
-          </a:fontRef>
-        </p:style>
-      </p:cxnSp>
-      <p:sp>
-        <p:nvSpPr>
-          <p:cNvPr id="62" name="TextBox 61">
-            <a:extLst>
-              <a:ext uri="{FF2B5EF4-FFF2-40B4-BE49-F238E27FC236}">
-                <a16:creationId xmlns:a16="http://schemas.microsoft.com/office/drawing/2014/main" id="{20CCE68E-2A01-4B2A-84ED-06514445F020}"/>
-              </a:ext>
-            </a:extLst>
-          </p:cNvPr>
-          <p:cNvSpPr txBox="1"/>
-          <p:nvPr/>
-        </p:nvSpPr>
-        <p:spPr>
-          <a:xfrm>
-            <a:off x="1805940" y="183913"/>
-            <a:ext cx="2026916" cy="461665"/>
-          </a:xfrm>
-          <a:prstGeom prst="rect">
-            <a:avLst/>
-          </a:prstGeom>
-          <a:noFill/>
-        </p:spPr>
-        <p:txBody>
-          <a:bodyPr wrap="square" rtlCol="0">
-            <a:spAutoFit/>
-          </a:bodyPr>
-          <a:lstStyle/>
-          <a:p>
-            <a:pPr algn="ctr"/>
-            <a:r>
-              <a:rPr lang="en-US" sz="1200" dirty="0">
-                <a:latin typeface="Arial" panose="020B0604020202020204" pitchFamily="34" charset="0"/>
-                <a:cs typeface="Arial" panose="020B0604020202020204" pitchFamily="34" charset="0"/>
-              </a:rPr>
-              <a:t>Discretization of 3D printing process</a:t>
-            </a:r>
-          </a:p>
-        </p:txBody>
-      </p:sp>
-      <p:cxnSp>
-        <p:nvCxnSpPr>
-          <p:cNvPr id="63" name="Connector: Elbow 62">
-            <a:extLst>
-              <a:ext uri="{FF2B5EF4-FFF2-40B4-BE49-F238E27FC236}">
-                <a16:creationId xmlns:a16="http://schemas.microsoft.com/office/drawing/2014/main" id="{14FA52BD-6049-4F64-9C71-A6F747C1354D}"/>
-              </a:ext>
-            </a:extLst>
-          </p:cNvPr>
-          <p:cNvCxnSpPr>
-            <a:stCxn id="56" idx="2"/>
-            <a:endCxn id="51" idx="2"/>
-          </p:cNvCxnSpPr>
-          <p:nvPr/>
-        </p:nvCxnSpPr>
-        <p:spPr>
-          <a:xfrm rot="5400000">
-            <a:off x="2809561" y="4001546"/>
-            <a:ext cx="526409" cy="3150870"/>
-          </a:xfrm>
-          <a:prstGeom prst="bentConnector2">
-            <a:avLst/>
-          </a:prstGeom>
-          <a:ln w="6350">
+          <a:ln w="38100">
             <a:tailEnd type="triangle"/>
           </a:ln>
         </p:spPr>
@@ -3693,29 +3998,29 @@
       </p:cxnSp>
       <p:cxnSp>
         <p:nvCxnSpPr>
-          <p:cNvPr id="64" name="Connector: Elbow 63">
+          <p:cNvPr id="54" name="Straight Arrow Connector 53">
             <a:extLst>
               <a:ext uri="{FF2B5EF4-FFF2-40B4-BE49-F238E27FC236}">
-                <a16:creationId xmlns:a16="http://schemas.microsoft.com/office/drawing/2014/main" id="{2ACD69A5-52D1-45F4-9133-4A8B6BB6614E}"/>
+                <a16:creationId xmlns:a16="http://schemas.microsoft.com/office/drawing/2014/main" id="{91F55811-25AE-AFF2-F06F-2BF86346686D}"/>
               </a:ext>
             </a:extLst>
           </p:cNvPr>
           <p:cNvCxnSpPr>
             <a:cxnSpLocks/>
-            <a:stCxn id="50" idx="2"/>
-            <a:endCxn id="52" idx="0"/>
+            <a:stCxn id="35" idx="2"/>
+            <a:endCxn id="34" idx="6"/>
           </p:cNvCxnSpPr>
           <p:nvPr/>
         </p:nvCxnSpPr>
         <p:spPr>
-          <a:xfrm>
-            <a:off x="1497330" y="414746"/>
-            <a:ext cx="3150870" cy="464195"/>
-          </a:xfrm>
-          <a:prstGeom prst="bentConnector2">
+          <a:xfrm flipH="1">
+            <a:off x="6872090" y="6004303"/>
+            <a:ext cx="508725" cy="0"/>
+          </a:xfrm>
+          <a:prstGeom prst="straightConnector1">
             <a:avLst/>
           </a:prstGeom>
-          <a:ln>
+          <a:ln w="38100">
             <a:tailEnd type="triangle"/>
           </a:ln>
         </p:spPr>
@@ -3734,286 +4039,53 @@
           </a:fontRef>
         </p:style>
       </p:cxnSp>
-      <p:grpSp>
-        <p:nvGrpSpPr>
-          <p:cNvPr id="65" name="Group 64">
+      <p:cxnSp>
+        <p:nvCxnSpPr>
+          <p:cNvPr id="57" name="Straight Arrow Connector 56">
             <a:extLst>
               <a:ext uri="{FF2B5EF4-FFF2-40B4-BE49-F238E27FC236}">
-                <a16:creationId xmlns:a16="http://schemas.microsoft.com/office/drawing/2014/main" id="{5D4FC8F1-8EFC-41D4-B1F2-5B454E7F9E0E}"/>
+                <a16:creationId xmlns:a16="http://schemas.microsoft.com/office/drawing/2014/main" id="{2B95266B-DB42-E9F2-C29F-76D3749D5A9D}"/>
               </a:ext>
             </a:extLst>
           </p:cNvPr>
-          <p:cNvGrpSpPr/>
+          <p:cNvCxnSpPr>
+            <a:cxnSpLocks/>
+            <a:stCxn id="37" idx="2"/>
+            <a:endCxn id="36" idx="6"/>
+          </p:cNvCxnSpPr>
           <p:nvPr/>
-        </p:nvGrpSpPr>
-        <p:grpSpPr>
-          <a:xfrm>
-            <a:off x="3140882" y="795746"/>
-            <a:ext cx="791038" cy="4580856"/>
-            <a:chOff x="3872402" y="1226820"/>
-            <a:chExt cx="791038" cy="4580856"/>
-          </a:xfrm>
-        </p:grpSpPr>
-        <p:grpSp>
-          <p:nvGrpSpPr>
-            <p:cNvPr id="66" name="Group 65">
-              <a:extLst>
-                <a:ext uri="{FF2B5EF4-FFF2-40B4-BE49-F238E27FC236}">
-                  <a16:creationId xmlns:a16="http://schemas.microsoft.com/office/drawing/2014/main" id="{B0584152-5DAA-4280-96D6-FD4CBB169667}"/>
-                </a:ext>
-              </a:extLst>
-            </p:cNvPr>
-            <p:cNvGrpSpPr/>
-            <p:nvPr/>
-          </p:nvGrpSpPr>
-          <p:grpSpPr>
-            <a:xfrm>
-              <a:off x="4183380" y="1226820"/>
-              <a:ext cx="480060" cy="4580856"/>
-              <a:chOff x="4183380" y="1226820"/>
-              <a:chExt cx="480060" cy="4678680"/>
-            </a:xfrm>
-          </p:grpSpPr>
-          <p:cxnSp>
-            <p:nvCxnSpPr>
-              <p:cNvPr id="68" name="Straight Connector 67">
-                <a:extLst>
-                  <a:ext uri="{FF2B5EF4-FFF2-40B4-BE49-F238E27FC236}">
-                    <a16:creationId xmlns:a16="http://schemas.microsoft.com/office/drawing/2014/main" id="{B852F3DE-032C-44BE-8BBF-9A3BE7FBF41E}"/>
-                  </a:ext>
-                </a:extLst>
-              </p:cNvPr>
-              <p:cNvCxnSpPr/>
-              <p:nvPr/>
-            </p:nvCxnSpPr>
-            <p:spPr>
-              <a:xfrm flipH="1">
-                <a:off x="4191000" y="1226820"/>
-                <a:ext cx="472440" cy="0"/>
-              </a:xfrm>
-              <a:prstGeom prst="line">
-                <a:avLst/>
-              </a:prstGeom>
-            </p:spPr>
-            <p:style>
-              <a:lnRef idx="1">
-                <a:schemeClr val="dk1"/>
-              </a:lnRef>
-              <a:fillRef idx="0">
-                <a:schemeClr val="dk1"/>
-              </a:fillRef>
-              <a:effectRef idx="0">
-                <a:schemeClr val="dk1"/>
-              </a:effectRef>
-              <a:fontRef idx="minor">
-                <a:schemeClr val="tx1"/>
-              </a:fontRef>
-            </p:style>
-          </p:cxnSp>
-          <p:cxnSp>
-            <p:nvCxnSpPr>
-              <p:cNvPr id="69" name="Straight Connector 68">
-                <a:extLst>
-                  <a:ext uri="{FF2B5EF4-FFF2-40B4-BE49-F238E27FC236}">
-                    <a16:creationId xmlns:a16="http://schemas.microsoft.com/office/drawing/2014/main" id="{932038AA-88CA-48B9-A5A3-4690A6B1F43A}"/>
-                  </a:ext>
-                </a:extLst>
-              </p:cNvPr>
-              <p:cNvCxnSpPr/>
-              <p:nvPr/>
-            </p:nvCxnSpPr>
-            <p:spPr>
-              <a:xfrm flipH="1">
-                <a:off x="4183380" y="5905500"/>
-                <a:ext cx="472440" cy="0"/>
-              </a:xfrm>
-              <a:prstGeom prst="line">
-                <a:avLst/>
-              </a:prstGeom>
-            </p:spPr>
-            <p:style>
-              <a:lnRef idx="1">
-                <a:schemeClr val="dk1"/>
-              </a:lnRef>
-              <a:fillRef idx="0">
-                <a:schemeClr val="dk1"/>
-              </a:fillRef>
-              <a:effectRef idx="0">
-                <a:schemeClr val="dk1"/>
-              </a:effectRef>
-              <a:fontRef idx="minor">
-                <a:schemeClr val="tx1"/>
-              </a:fontRef>
-            </p:style>
-          </p:cxnSp>
-          <p:cxnSp>
-            <p:nvCxnSpPr>
-              <p:cNvPr id="70" name="Straight Connector 69">
-                <a:extLst>
-                  <a:ext uri="{FF2B5EF4-FFF2-40B4-BE49-F238E27FC236}">
-                    <a16:creationId xmlns:a16="http://schemas.microsoft.com/office/drawing/2014/main" id="{1E1A0404-B277-469A-B4B1-60418BF85E36}"/>
-                  </a:ext>
-                </a:extLst>
-              </p:cNvPr>
-              <p:cNvCxnSpPr>
-                <a:cxnSpLocks/>
-              </p:cNvCxnSpPr>
-              <p:nvPr/>
-            </p:nvCxnSpPr>
-            <p:spPr>
-              <a:xfrm flipH="1">
-                <a:off x="4183380" y="1226820"/>
-                <a:ext cx="7620" cy="4678680"/>
-              </a:xfrm>
-              <a:prstGeom prst="line">
-                <a:avLst/>
-              </a:prstGeom>
-            </p:spPr>
-            <p:style>
-              <a:lnRef idx="1">
-                <a:schemeClr val="dk1"/>
-              </a:lnRef>
-              <a:fillRef idx="0">
-                <a:schemeClr val="dk1"/>
-              </a:fillRef>
-              <a:effectRef idx="0">
-                <a:schemeClr val="dk1"/>
-              </a:effectRef>
-              <a:fontRef idx="minor">
-                <a:schemeClr val="tx1"/>
-              </a:fontRef>
-            </p:style>
-          </p:cxnSp>
-        </p:grpSp>
-        <p:cxnSp>
-          <p:nvCxnSpPr>
-            <p:cNvPr id="67" name="Straight Connector 66">
-              <a:extLst>
-                <a:ext uri="{FF2B5EF4-FFF2-40B4-BE49-F238E27FC236}">
-                  <a16:creationId xmlns:a16="http://schemas.microsoft.com/office/drawing/2014/main" id="{142C405C-6BCC-498C-9888-0D9187497280}"/>
-                </a:ext>
-              </a:extLst>
-            </p:cNvPr>
-            <p:cNvCxnSpPr/>
-            <p:nvPr/>
-          </p:nvCxnSpPr>
-          <p:spPr>
-            <a:xfrm flipH="1">
-              <a:off x="3872402" y="3429000"/>
-              <a:ext cx="310978" cy="0"/>
-            </a:xfrm>
-            <a:prstGeom prst="line">
-              <a:avLst/>
-            </a:prstGeom>
-          </p:spPr>
-          <p:style>
-            <a:lnRef idx="1">
-              <a:schemeClr val="dk1"/>
-            </a:lnRef>
-            <a:fillRef idx="0">
-              <a:schemeClr val="dk1"/>
-            </a:fillRef>
-            <a:effectRef idx="0">
-              <a:schemeClr val="dk1"/>
-            </a:effectRef>
-            <a:fontRef idx="minor">
-              <a:schemeClr val="tx1"/>
-            </a:fontRef>
-          </p:style>
-        </p:cxnSp>
-      </p:grpSp>
-      <p:sp>
-        <p:nvSpPr>
-          <p:cNvPr id="71" name="TextBox 70">
-            <a:extLst>
-              <a:ext uri="{FF2B5EF4-FFF2-40B4-BE49-F238E27FC236}">
-                <a16:creationId xmlns:a16="http://schemas.microsoft.com/office/drawing/2014/main" id="{DE7EB548-31B3-4282-9A43-1EAE9A4F5E89}"/>
-              </a:ext>
-            </a:extLst>
-          </p:cNvPr>
-          <p:cNvSpPr txBox="1"/>
-          <p:nvPr/>
-        </p:nvSpPr>
-        <p:spPr>
-          <a:xfrm>
-            <a:off x="1371189" y="2755956"/>
-            <a:ext cx="2026916" cy="461665"/>
-          </a:xfrm>
-          <a:prstGeom prst="rect">
+        </p:nvCxnSpPr>
+        <p:spPr>
+          <a:xfrm flipH="1">
+            <a:off x="6872090" y="7093963"/>
+            <a:ext cx="508725" cy="0"/>
+          </a:xfrm>
+          <a:prstGeom prst="straightConnector1">
             <a:avLst/>
           </a:prstGeom>
-          <a:noFill/>
-        </p:spPr>
-        <p:txBody>
-          <a:bodyPr wrap="square" rtlCol="0">
-            <a:spAutoFit/>
-          </a:bodyPr>
-          <a:lstStyle/>
-          <a:p>
-            <a:pPr algn="ctr"/>
-            <a:r>
-              <a:rPr lang="en-US" sz="1200" dirty="0">
-                <a:latin typeface="Arial" panose="020B0604020202020204" pitchFamily="34" charset="0"/>
-                <a:cs typeface="Arial" panose="020B0604020202020204" pitchFamily="34" charset="0"/>
-              </a:rPr>
-              <a:t>Multi-Level Collision Avoidance</a:t>
-            </a:r>
-          </a:p>
-        </p:txBody>
-      </p:sp>
-      <p:sp>
-        <p:nvSpPr>
-          <p:cNvPr id="72" name="TextBox 71">
-            <a:extLst>
-              <a:ext uri="{FF2B5EF4-FFF2-40B4-BE49-F238E27FC236}">
-                <a16:creationId xmlns:a16="http://schemas.microsoft.com/office/drawing/2014/main" id="{8EC7C0D9-3209-4B82-B3C0-C90553AE2BEE}"/>
-              </a:ext>
-            </a:extLst>
-          </p:cNvPr>
-          <p:cNvSpPr txBox="1"/>
-          <p:nvPr/>
-        </p:nvSpPr>
-        <p:spPr>
-          <a:xfrm rot="16200000">
-            <a:off x="-460621" y="2755956"/>
-            <a:ext cx="2589682" cy="461665"/>
-          </a:xfrm>
-          <a:prstGeom prst="rect">
-            <a:avLst/>
-          </a:prstGeom>
-          <a:noFill/>
-        </p:spPr>
-        <p:txBody>
-          <a:bodyPr wrap="square" rtlCol="0">
-            <a:spAutoFit/>
-          </a:bodyPr>
-          <a:lstStyle/>
-          <a:p>
-            <a:pPr algn="ctr"/>
-            <a:r>
-              <a:rPr lang="en-US" sz="1200" dirty="0">
-                <a:latin typeface="Arial" panose="020B0604020202020204" pitchFamily="34" charset="0"/>
-                <a:cs typeface="Arial" panose="020B0604020202020204" pitchFamily="34" charset="0"/>
-              </a:rPr>
-              <a:t>Continuous 3D Process</a:t>
-            </a:r>
-          </a:p>
-          <a:p>
-            <a:pPr algn="ctr"/>
-            <a:r>
-              <a:rPr lang="en-US" sz="1200" dirty="0">
-                <a:latin typeface="Arial" panose="020B0604020202020204" pitchFamily="34" charset="0"/>
-                <a:cs typeface="Arial" panose="020B0604020202020204" pitchFamily="34" charset="0"/>
-              </a:rPr>
-              <a:t>Direct planning with multi-robots</a:t>
-            </a:r>
-          </a:p>
-        </p:txBody>
-      </p:sp>
+          <a:ln w="38100">
+            <a:tailEnd type="triangle"/>
+          </a:ln>
+        </p:spPr>
+        <p:style>
+          <a:lnRef idx="1">
+            <a:schemeClr val="dk1"/>
+          </a:lnRef>
+          <a:fillRef idx="0">
+            <a:schemeClr val="dk1"/>
+          </a:fillRef>
+          <a:effectRef idx="0">
+            <a:schemeClr val="dk1"/>
+          </a:effectRef>
+          <a:fontRef idx="minor">
+            <a:schemeClr val="tx1"/>
+          </a:fontRef>
+        </p:style>
+      </p:cxnSp>
     </p:spTree>
     <p:extLst>
       <p:ext uri="{BB962C8B-B14F-4D97-AF65-F5344CB8AC3E}">
-        <p14:creationId xmlns:p14="http://schemas.microsoft.com/office/powerpoint/2010/main" val="3331588608"/>
+        <p14:creationId xmlns:p14="http://schemas.microsoft.com/office/powerpoint/2010/main" val="2744857385"/>
       </p:ext>
     </p:extLst>
   </p:cSld>
